--- a/Clase7.pptx
+++ b/Clase7.pptx
@@ -17,6 +17,10 @@
     <p:sldId id="273" r:id="rId11"/>
     <p:sldId id="274" r:id="rId12"/>
     <p:sldId id="275" r:id="rId13"/>
+    <p:sldId id="276" r:id="rId14"/>
+    <p:sldId id="277" r:id="rId15"/>
+    <p:sldId id="279" r:id="rId16"/>
+    <p:sldId id="280" r:id="rId17"/>
   </p:sldIdLst>
   <p:sldSz cx="12192000" cy="6858000"/>
   <p:notesSz cx="6858000" cy="9144000"/>
@@ -270,7 +274,7 @@
           <a:p>
             <a:fld id="{B79A2D9D-F137-4163-855D-360766367DD3}" type="datetimeFigureOut">
               <a:rPr lang="en-US" smtClean="0"/>
-              <a:t>2/26/2026</a:t>
+              <a:t>2/27/2026</a:t>
             </a:fld>
             <a:endParaRPr lang="en-US"/>
           </a:p>
@@ -468,7 +472,7 @@
           <a:p>
             <a:fld id="{B79A2D9D-F137-4163-855D-360766367DD3}" type="datetimeFigureOut">
               <a:rPr lang="en-US" smtClean="0"/>
-              <a:t>2/26/2026</a:t>
+              <a:t>2/27/2026</a:t>
             </a:fld>
             <a:endParaRPr lang="en-US"/>
           </a:p>
@@ -676,7 +680,7 @@
           <a:p>
             <a:fld id="{B79A2D9D-F137-4163-855D-360766367DD3}" type="datetimeFigureOut">
               <a:rPr lang="en-US" smtClean="0"/>
-              <a:t>2/26/2026</a:t>
+              <a:t>2/27/2026</a:t>
             </a:fld>
             <a:endParaRPr lang="en-US"/>
           </a:p>
@@ -874,7 +878,7 @@
           <a:p>
             <a:fld id="{B79A2D9D-F137-4163-855D-360766367DD3}" type="datetimeFigureOut">
               <a:rPr lang="en-US" smtClean="0"/>
-              <a:t>2/26/2026</a:t>
+              <a:t>2/27/2026</a:t>
             </a:fld>
             <a:endParaRPr lang="en-US"/>
           </a:p>
@@ -1149,7 +1153,7 @@
           <a:p>
             <a:fld id="{B79A2D9D-F137-4163-855D-360766367DD3}" type="datetimeFigureOut">
               <a:rPr lang="en-US" smtClean="0"/>
-              <a:t>2/26/2026</a:t>
+              <a:t>2/27/2026</a:t>
             </a:fld>
             <a:endParaRPr lang="en-US"/>
           </a:p>
@@ -1414,7 +1418,7 @@
           <a:p>
             <a:fld id="{B79A2D9D-F137-4163-855D-360766367DD3}" type="datetimeFigureOut">
               <a:rPr lang="en-US" smtClean="0"/>
-              <a:t>2/26/2026</a:t>
+              <a:t>2/27/2026</a:t>
             </a:fld>
             <a:endParaRPr lang="en-US"/>
           </a:p>
@@ -1826,7 +1830,7 @@
           <a:p>
             <a:fld id="{B79A2D9D-F137-4163-855D-360766367DD3}" type="datetimeFigureOut">
               <a:rPr lang="en-US" smtClean="0"/>
-              <a:t>2/26/2026</a:t>
+              <a:t>2/27/2026</a:t>
             </a:fld>
             <a:endParaRPr lang="en-US"/>
           </a:p>
@@ -1967,7 +1971,7 @@
           <a:p>
             <a:fld id="{B79A2D9D-F137-4163-855D-360766367DD3}" type="datetimeFigureOut">
               <a:rPr lang="en-US" smtClean="0"/>
-              <a:t>2/26/2026</a:t>
+              <a:t>2/27/2026</a:t>
             </a:fld>
             <a:endParaRPr lang="en-US"/>
           </a:p>
@@ -2080,7 +2084,7 @@
           <a:p>
             <a:fld id="{B79A2D9D-F137-4163-855D-360766367DD3}" type="datetimeFigureOut">
               <a:rPr lang="en-US" smtClean="0"/>
-              <a:t>2/26/2026</a:t>
+              <a:t>2/27/2026</a:t>
             </a:fld>
             <a:endParaRPr lang="en-US"/>
           </a:p>
@@ -2391,7 +2395,7 @@
           <a:p>
             <a:fld id="{B79A2D9D-F137-4163-855D-360766367DD3}" type="datetimeFigureOut">
               <a:rPr lang="en-US" smtClean="0"/>
-              <a:t>2/26/2026</a:t>
+              <a:t>2/27/2026</a:t>
             </a:fld>
             <a:endParaRPr lang="en-US"/>
           </a:p>
@@ -2679,7 +2683,7 @@
           <a:p>
             <a:fld id="{B79A2D9D-F137-4163-855D-360766367DD3}" type="datetimeFigureOut">
               <a:rPr lang="en-US" smtClean="0"/>
-              <a:t>2/26/2026</a:t>
+              <a:t>2/27/2026</a:t>
             </a:fld>
             <a:endParaRPr lang="en-US"/>
           </a:p>
@@ -2920,7 +2924,7 @@
           <a:p>
             <a:fld id="{B79A2D9D-F137-4163-855D-360766367DD3}" type="datetimeFigureOut">
               <a:rPr lang="en-US" smtClean="0"/>
-              <a:t>2/26/2026</a:t>
+              <a:t>2/27/2026</a:t>
             </a:fld>
             <a:endParaRPr lang="en-US"/>
           </a:p>
@@ -7026,6 +7030,4314 @@
 </p:sld>
 </file>
 
+<file path=ppt/slides/slide13.xml><?xml version="1.0" encoding="utf-8"?>
+<p:sld xmlns:a="http://schemas.openxmlformats.org/drawingml/2006/main" xmlns:r="http://schemas.openxmlformats.org/officeDocument/2006/relationships" xmlns:p="http://schemas.openxmlformats.org/presentationml/2006/main">
+  <p:cSld>
+    <p:spTree>
+      <p:nvGrpSpPr>
+        <p:cNvPr id="1" name=""/>
+        <p:cNvGrpSpPr/>
+        <p:nvPr/>
+      </p:nvGrpSpPr>
+      <p:grpSpPr>
+        <a:xfrm>
+          <a:off x="0" y="0"/>
+          <a:ext cx="0" cy="0"/>
+          <a:chOff x="0" y="0"/>
+          <a:chExt cx="0" cy="0"/>
+        </a:xfrm>
+      </p:grpSpPr>
+      <p:sp>
+        <p:nvSpPr>
+          <p:cNvPr id="4" name="Rectangle 3">
+            <a:extLst>
+              <a:ext uri="{FF2B5EF4-FFF2-40B4-BE49-F238E27FC236}">
+                <a16:creationId xmlns:a16="http://schemas.microsoft.com/office/drawing/2014/main" id="{80514A77-03DC-DD22-8F02-1BEAD2AB3B68}"/>
+              </a:ext>
+            </a:extLst>
+          </p:cNvPr>
+          <p:cNvSpPr/>
+          <p:nvPr/>
+        </p:nvSpPr>
+        <p:spPr>
+          <a:xfrm>
+            <a:off x="2518914" y="115074"/>
+            <a:ext cx="7177178" cy="707886"/>
+          </a:xfrm>
+          <a:prstGeom prst="rect">
+            <a:avLst/>
+          </a:prstGeom>
+          <a:noFill/>
+        </p:spPr>
+        <p:txBody>
+          <a:bodyPr wrap="square" lIns="91440" tIns="45720" rIns="91440" bIns="45720">
+            <a:spAutoFit/>
+          </a:bodyPr>
+          <a:lstStyle/>
+          <a:p>
+            <a:pPr algn="ctr"/>
+            <a:r>
+              <a:rPr lang="en-US" sz="4000" b="1" cap="none" spc="0" dirty="0">
+                <a:ln w="0"/>
+                <a:solidFill>
+                  <a:schemeClr val="tx1"/>
+                </a:solidFill>
+                <a:effectLst>
+                  <a:outerShdw blurRad="38100" dist="19050" dir="2700000" algn="tl" rotWithShape="0">
+                    <a:schemeClr val="dk1">
+                      <a:alpha val="40000"/>
+                    </a:schemeClr>
+                  </a:outerShdw>
+                </a:effectLst>
+              </a:rPr>
+              <a:t>Clase 7 – Calendario </a:t>
+            </a:r>
+            <a:r>
+              <a:rPr lang="en-US" sz="4000" b="1" cap="none" spc="0" dirty="0" err="1">
+                <a:ln w="0"/>
+                <a:solidFill>
+                  <a:schemeClr val="tx1"/>
+                </a:solidFill>
+                <a:effectLst>
+                  <a:outerShdw blurRad="38100" dist="19050" dir="2700000" algn="tl" rotWithShape="0">
+                    <a:schemeClr val="dk1">
+                      <a:alpha val="40000"/>
+                    </a:schemeClr>
+                  </a:outerShdw>
+                </a:effectLst>
+              </a:rPr>
+              <a:t>dinamico</a:t>
+            </a:r>
+            <a:endParaRPr lang="en-US" sz="5400" b="1" cap="none" spc="0" dirty="0">
+              <a:ln w="0"/>
+              <a:solidFill>
+                <a:schemeClr val="tx1"/>
+              </a:solidFill>
+              <a:effectLst>
+                <a:outerShdw blurRad="38100" dist="19050" dir="2700000" algn="tl" rotWithShape="0">
+                  <a:schemeClr val="dk1">
+                    <a:alpha val="40000"/>
+                  </a:schemeClr>
+                </a:outerShdw>
+              </a:effectLst>
+            </a:endParaRPr>
+          </a:p>
+        </p:txBody>
+      </p:sp>
+      <p:pic>
+        <p:nvPicPr>
+          <p:cNvPr id="6" name="Picture 5">
+            <a:extLst>
+              <a:ext uri="{FF2B5EF4-FFF2-40B4-BE49-F238E27FC236}">
+                <a16:creationId xmlns:a16="http://schemas.microsoft.com/office/drawing/2014/main" id="{D8E7F700-81C5-9D34-7683-071D876AFAF3}"/>
+              </a:ext>
+            </a:extLst>
+          </p:cNvPr>
+          <p:cNvPicPr>
+            <a:picLocks noChangeAspect="1"/>
+          </p:cNvPicPr>
+          <p:nvPr/>
+        </p:nvPicPr>
+        <p:blipFill>
+          <a:blip r:embed="rId2"/>
+          <a:stretch>
+            <a:fillRect/>
+          </a:stretch>
+        </p:blipFill>
+        <p:spPr>
+          <a:xfrm>
+            <a:off x="6996151" y="2368970"/>
+            <a:ext cx="3750116" cy="3390005"/>
+          </a:xfrm>
+          <a:prstGeom prst="rect">
+            <a:avLst/>
+          </a:prstGeom>
+        </p:spPr>
+      </p:pic>
+      <p:sp>
+        <p:nvSpPr>
+          <p:cNvPr id="7" name="Content Placeholder 2">
+            <a:extLst>
+              <a:ext uri="{FF2B5EF4-FFF2-40B4-BE49-F238E27FC236}">
+                <a16:creationId xmlns:a16="http://schemas.microsoft.com/office/drawing/2014/main" id="{3CFA1E09-878C-3FF3-54BC-9D5AE09A5C16}"/>
+              </a:ext>
+            </a:extLst>
+          </p:cNvPr>
+          <p:cNvSpPr txBox="1">
+            <a:spLocks/>
+          </p:cNvSpPr>
+          <p:nvPr/>
+        </p:nvSpPr>
+        <p:spPr>
+          <a:xfrm>
+            <a:off x="280705" y="1233732"/>
+            <a:ext cx="4834760" cy="931498"/>
+          </a:xfrm>
+          <a:prstGeom prst="rect">
+            <a:avLst/>
+          </a:prstGeom>
+        </p:spPr>
+        <p:txBody>
+          <a:bodyPr vert="horz" lIns="91440" tIns="45720" rIns="91440" bIns="45720" rtlCol="0">
+            <a:normAutofit fontScale="92500" lnSpcReduction="10000"/>
+          </a:bodyPr>
+          <a:lstStyle>
+            <a:lvl1pPr marL="228600" indent="-228600" algn="l" defTabSz="914400" rtl="0" eaLnBrk="1" latinLnBrk="0" hangingPunct="1">
+              <a:lnSpc>
+                <a:spcPct val="90000"/>
+              </a:lnSpc>
+              <a:spcBef>
+                <a:spcPts val="1000"/>
+              </a:spcBef>
+              <a:buFont typeface="Arial" panose="020B0604020202020204" pitchFamily="34" charset="0"/>
+              <a:buChar char="•"/>
+              <a:defRPr sz="2800" kern="1200">
+                <a:solidFill>
+                  <a:schemeClr val="tx1"/>
+                </a:solidFill>
+                <a:latin typeface="+mn-lt"/>
+                <a:ea typeface="+mn-ea"/>
+                <a:cs typeface="+mn-cs"/>
+              </a:defRPr>
+            </a:lvl1pPr>
+            <a:lvl2pPr marL="685800" indent="-228600" algn="l" defTabSz="914400" rtl="0" eaLnBrk="1" latinLnBrk="0" hangingPunct="1">
+              <a:lnSpc>
+                <a:spcPct val="90000"/>
+              </a:lnSpc>
+              <a:spcBef>
+                <a:spcPts val="500"/>
+              </a:spcBef>
+              <a:buFont typeface="Arial" panose="020B0604020202020204" pitchFamily="34" charset="0"/>
+              <a:buChar char="•"/>
+              <a:defRPr sz="2400" kern="1200">
+                <a:solidFill>
+                  <a:schemeClr val="tx1"/>
+                </a:solidFill>
+                <a:latin typeface="+mn-lt"/>
+                <a:ea typeface="+mn-ea"/>
+                <a:cs typeface="+mn-cs"/>
+              </a:defRPr>
+            </a:lvl2pPr>
+            <a:lvl3pPr marL="1143000" indent="-228600" algn="l" defTabSz="914400" rtl="0" eaLnBrk="1" latinLnBrk="0" hangingPunct="1">
+              <a:lnSpc>
+                <a:spcPct val="90000"/>
+              </a:lnSpc>
+              <a:spcBef>
+                <a:spcPts val="500"/>
+              </a:spcBef>
+              <a:buFont typeface="Arial" panose="020B0604020202020204" pitchFamily="34" charset="0"/>
+              <a:buChar char="•"/>
+              <a:defRPr sz="2000" kern="1200">
+                <a:solidFill>
+                  <a:schemeClr val="tx1"/>
+                </a:solidFill>
+                <a:latin typeface="+mn-lt"/>
+                <a:ea typeface="+mn-ea"/>
+                <a:cs typeface="+mn-cs"/>
+              </a:defRPr>
+            </a:lvl3pPr>
+            <a:lvl4pPr marL="1600200" indent="-228600" algn="l" defTabSz="914400" rtl="0" eaLnBrk="1" latinLnBrk="0" hangingPunct="1">
+              <a:lnSpc>
+                <a:spcPct val="90000"/>
+              </a:lnSpc>
+              <a:spcBef>
+                <a:spcPts val="500"/>
+              </a:spcBef>
+              <a:buFont typeface="Arial" panose="020B0604020202020204" pitchFamily="34" charset="0"/>
+              <a:buChar char="•"/>
+              <a:defRPr sz="1800" kern="1200">
+                <a:solidFill>
+                  <a:schemeClr val="tx1"/>
+                </a:solidFill>
+                <a:latin typeface="+mn-lt"/>
+                <a:ea typeface="+mn-ea"/>
+                <a:cs typeface="+mn-cs"/>
+              </a:defRPr>
+            </a:lvl4pPr>
+            <a:lvl5pPr marL="2057400" indent="-228600" algn="l" defTabSz="914400" rtl="0" eaLnBrk="1" latinLnBrk="0" hangingPunct="1">
+              <a:lnSpc>
+                <a:spcPct val="90000"/>
+              </a:lnSpc>
+              <a:spcBef>
+                <a:spcPts val="500"/>
+              </a:spcBef>
+              <a:buFont typeface="Arial" panose="020B0604020202020204" pitchFamily="34" charset="0"/>
+              <a:buChar char="•"/>
+              <a:defRPr sz="1800" kern="1200">
+                <a:solidFill>
+                  <a:schemeClr val="tx1"/>
+                </a:solidFill>
+                <a:latin typeface="+mn-lt"/>
+                <a:ea typeface="+mn-ea"/>
+                <a:cs typeface="+mn-cs"/>
+              </a:defRPr>
+            </a:lvl5pPr>
+            <a:lvl6pPr marL="2514600" indent="-228600" algn="l" defTabSz="914400" rtl="0" eaLnBrk="1" latinLnBrk="0" hangingPunct="1">
+              <a:lnSpc>
+                <a:spcPct val="90000"/>
+              </a:lnSpc>
+              <a:spcBef>
+                <a:spcPts val="500"/>
+              </a:spcBef>
+              <a:buFont typeface="Arial" panose="020B0604020202020204" pitchFamily="34" charset="0"/>
+              <a:buChar char="•"/>
+              <a:defRPr sz="1800" kern="1200">
+                <a:solidFill>
+                  <a:schemeClr val="tx1"/>
+                </a:solidFill>
+                <a:latin typeface="+mn-lt"/>
+                <a:ea typeface="+mn-ea"/>
+                <a:cs typeface="+mn-cs"/>
+              </a:defRPr>
+            </a:lvl6pPr>
+            <a:lvl7pPr marL="2971800" indent="-228600" algn="l" defTabSz="914400" rtl="0" eaLnBrk="1" latinLnBrk="0" hangingPunct="1">
+              <a:lnSpc>
+                <a:spcPct val="90000"/>
+              </a:lnSpc>
+              <a:spcBef>
+                <a:spcPts val="500"/>
+              </a:spcBef>
+              <a:buFont typeface="Arial" panose="020B0604020202020204" pitchFamily="34" charset="0"/>
+              <a:buChar char="•"/>
+              <a:defRPr sz="1800" kern="1200">
+                <a:solidFill>
+                  <a:schemeClr val="tx1"/>
+                </a:solidFill>
+                <a:latin typeface="+mn-lt"/>
+                <a:ea typeface="+mn-ea"/>
+                <a:cs typeface="+mn-cs"/>
+              </a:defRPr>
+            </a:lvl7pPr>
+            <a:lvl8pPr marL="3429000" indent="-228600" algn="l" defTabSz="914400" rtl="0" eaLnBrk="1" latinLnBrk="0" hangingPunct="1">
+              <a:lnSpc>
+                <a:spcPct val="90000"/>
+              </a:lnSpc>
+              <a:spcBef>
+                <a:spcPts val="500"/>
+              </a:spcBef>
+              <a:buFont typeface="Arial" panose="020B0604020202020204" pitchFamily="34" charset="0"/>
+              <a:buChar char="•"/>
+              <a:defRPr sz="1800" kern="1200">
+                <a:solidFill>
+                  <a:schemeClr val="tx1"/>
+                </a:solidFill>
+                <a:latin typeface="+mn-lt"/>
+                <a:ea typeface="+mn-ea"/>
+                <a:cs typeface="+mn-cs"/>
+              </a:defRPr>
+            </a:lvl8pPr>
+            <a:lvl9pPr marL="3886200" indent="-228600" algn="l" defTabSz="914400" rtl="0" eaLnBrk="1" latinLnBrk="0" hangingPunct="1">
+              <a:lnSpc>
+                <a:spcPct val="90000"/>
+              </a:lnSpc>
+              <a:spcBef>
+                <a:spcPts val="500"/>
+              </a:spcBef>
+              <a:buFont typeface="Arial" panose="020B0604020202020204" pitchFamily="34" charset="0"/>
+              <a:buChar char="•"/>
+              <a:defRPr sz="1800" kern="1200">
+                <a:solidFill>
+                  <a:schemeClr val="tx1"/>
+                </a:solidFill>
+                <a:latin typeface="+mn-lt"/>
+                <a:ea typeface="+mn-ea"/>
+                <a:cs typeface="+mn-cs"/>
+              </a:defRPr>
+            </a:lvl9pPr>
+          </a:lstStyle>
+          <a:p>
+            <a:pPr marL="0" indent="0">
+              <a:buNone/>
+            </a:pPr>
+            <a:r>
+              <a:rPr lang="en-US" sz="2400" b="1" dirty="0"/>
+              <a:t>1- Para la </a:t>
+            </a:r>
+            <a:r>
+              <a:rPr lang="en-US" sz="2400" b="1" dirty="0" err="1"/>
+              <a:t>practica</a:t>
+            </a:r>
+            <a:r>
+              <a:rPr lang="en-US" sz="2400" b="1" dirty="0"/>
+              <a:t> se require </a:t>
+            </a:r>
+            <a:r>
+              <a:rPr lang="en-US" sz="2400" b="1" dirty="0" err="1"/>
+              <a:t>generar</a:t>
+            </a:r>
+            <a:r>
+              <a:rPr lang="en-US" sz="2400" b="1" dirty="0"/>
+              <a:t> un nuevo PBI </a:t>
+            </a:r>
+            <a:r>
+              <a:rPr lang="en-US" sz="2400" b="1" dirty="0" err="1"/>
+              <a:t>en</a:t>
+            </a:r>
+            <a:r>
+              <a:rPr lang="en-US" sz="2400" b="1" dirty="0"/>
+              <a:t> “Blanco”, </a:t>
+            </a:r>
+            <a:r>
+              <a:rPr lang="en-US" sz="2400" b="1" dirty="0" err="1"/>
+              <a:t>despues</a:t>
+            </a:r>
+            <a:r>
+              <a:rPr lang="en-US" sz="2400" b="1" dirty="0"/>
+              <a:t> </a:t>
+            </a:r>
+            <a:r>
+              <a:rPr lang="en-US" sz="2400" b="1" dirty="0" err="1"/>
+              <a:t>ir</a:t>
+            </a:r>
+            <a:r>
+              <a:rPr lang="en-US" sz="2400" b="1" dirty="0"/>
+              <a:t> al </a:t>
+            </a:r>
+            <a:r>
+              <a:rPr lang="en-US" sz="2400" b="1" dirty="0" err="1"/>
+              <a:t>apartado</a:t>
+            </a:r>
+            <a:r>
+              <a:rPr lang="en-US" sz="2400" b="1" dirty="0"/>
+              <a:t> de queries</a:t>
+            </a:r>
+          </a:p>
+        </p:txBody>
+      </p:sp>
+      <p:pic>
+        <p:nvPicPr>
+          <p:cNvPr id="9" name="Picture 8">
+            <a:extLst>
+              <a:ext uri="{FF2B5EF4-FFF2-40B4-BE49-F238E27FC236}">
+                <a16:creationId xmlns:a16="http://schemas.microsoft.com/office/drawing/2014/main" id="{A51C04F4-A310-6EF7-E227-4E04192BC691}"/>
+              </a:ext>
+            </a:extLst>
+          </p:cNvPr>
+          <p:cNvPicPr>
+            <a:picLocks noChangeAspect="1"/>
+          </p:cNvPicPr>
+          <p:nvPr/>
+        </p:nvPicPr>
+        <p:blipFill>
+          <a:blip r:embed="rId3"/>
+          <a:stretch>
+            <a:fillRect/>
+          </a:stretch>
+        </p:blipFill>
+        <p:spPr>
+          <a:xfrm>
+            <a:off x="376813" y="2712411"/>
+            <a:ext cx="4284201" cy="3178035"/>
+          </a:xfrm>
+          <a:prstGeom prst="rect">
+            <a:avLst/>
+          </a:prstGeom>
+        </p:spPr>
+      </p:pic>
+      <p:sp>
+        <p:nvSpPr>
+          <p:cNvPr id="10" name="Content Placeholder 2">
+            <a:extLst>
+              <a:ext uri="{FF2B5EF4-FFF2-40B4-BE49-F238E27FC236}">
+                <a16:creationId xmlns:a16="http://schemas.microsoft.com/office/drawing/2014/main" id="{A6E2CE2C-9A1C-0FD4-1532-06B005F5216F}"/>
+              </a:ext>
+            </a:extLst>
+          </p:cNvPr>
+          <p:cNvSpPr txBox="1">
+            <a:spLocks/>
+          </p:cNvSpPr>
+          <p:nvPr/>
+        </p:nvSpPr>
+        <p:spPr>
+          <a:xfrm>
+            <a:off x="6323765" y="1106999"/>
+            <a:ext cx="5218377" cy="1287688"/>
+          </a:xfrm>
+          <a:prstGeom prst="rect">
+            <a:avLst/>
+          </a:prstGeom>
+        </p:spPr>
+        <p:txBody>
+          <a:bodyPr vert="horz" lIns="91440" tIns="45720" rIns="91440" bIns="45720" rtlCol="0">
+            <a:normAutofit fontScale="85000" lnSpcReduction="20000"/>
+          </a:bodyPr>
+          <a:lstStyle>
+            <a:lvl1pPr marL="228600" indent="-228600" algn="l" defTabSz="914400" rtl="0" eaLnBrk="1" latinLnBrk="0" hangingPunct="1">
+              <a:lnSpc>
+                <a:spcPct val="90000"/>
+              </a:lnSpc>
+              <a:spcBef>
+                <a:spcPts val="1000"/>
+              </a:spcBef>
+              <a:buFont typeface="Arial" panose="020B0604020202020204" pitchFamily="34" charset="0"/>
+              <a:buChar char="•"/>
+              <a:defRPr sz="2800" kern="1200">
+                <a:solidFill>
+                  <a:schemeClr val="tx1"/>
+                </a:solidFill>
+                <a:latin typeface="+mn-lt"/>
+                <a:ea typeface="+mn-ea"/>
+                <a:cs typeface="+mn-cs"/>
+              </a:defRPr>
+            </a:lvl1pPr>
+            <a:lvl2pPr marL="685800" indent="-228600" algn="l" defTabSz="914400" rtl="0" eaLnBrk="1" latinLnBrk="0" hangingPunct="1">
+              <a:lnSpc>
+                <a:spcPct val="90000"/>
+              </a:lnSpc>
+              <a:spcBef>
+                <a:spcPts val="500"/>
+              </a:spcBef>
+              <a:buFont typeface="Arial" panose="020B0604020202020204" pitchFamily="34" charset="0"/>
+              <a:buChar char="•"/>
+              <a:defRPr sz="2400" kern="1200">
+                <a:solidFill>
+                  <a:schemeClr val="tx1"/>
+                </a:solidFill>
+                <a:latin typeface="+mn-lt"/>
+                <a:ea typeface="+mn-ea"/>
+                <a:cs typeface="+mn-cs"/>
+              </a:defRPr>
+            </a:lvl2pPr>
+            <a:lvl3pPr marL="1143000" indent="-228600" algn="l" defTabSz="914400" rtl="0" eaLnBrk="1" latinLnBrk="0" hangingPunct="1">
+              <a:lnSpc>
+                <a:spcPct val="90000"/>
+              </a:lnSpc>
+              <a:spcBef>
+                <a:spcPts val="500"/>
+              </a:spcBef>
+              <a:buFont typeface="Arial" panose="020B0604020202020204" pitchFamily="34" charset="0"/>
+              <a:buChar char="•"/>
+              <a:defRPr sz="2000" kern="1200">
+                <a:solidFill>
+                  <a:schemeClr val="tx1"/>
+                </a:solidFill>
+                <a:latin typeface="+mn-lt"/>
+                <a:ea typeface="+mn-ea"/>
+                <a:cs typeface="+mn-cs"/>
+              </a:defRPr>
+            </a:lvl3pPr>
+            <a:lvl4pPr marL="1600200" indent="-228600" algn="l" defTabSz="914400" rtl="0" eaLnBrk="1" latinLnBrk="0" hangingPunct="1">
+              <a:lnSpc>
+                <a:spcPct val="90000"/>
+              </a:lnSpc>
+              <a:spcBef>
+                <a:spcPts val="500"/>
+              </a:spcBef>
+              <a:buFont typeface="Arial" panose="020B0604020202020204" pitchFamily="34" charset="0"/>
+              <a:buChar char="•"/>
+              <a:defRPr sz="1800" kern="1200">
+                <a:solidFill>
+                  <a:schemeClr val="tx1"/>
+                </a:solidFill>
+                <a:latin typeface="+mn-lt"/>
+                <a:ea typeface="+mn-ea"/>
+                <a:cs typeface="+mn-cs"/>
+              </a:defRPr>
+            </a:lvl4pPr>
+            <a:lvl5pPr marL="2057400" indent="-228600" algn="l" defTabSz="914400" rtl="0" eaLnBrk="1" latinLnBrk="0" hangingPunct="1">
+              <a:lnSpc>
+                <a:spcPct val="90000"/>
+              </a:lnSpc>
+              <a:spcBef>
+                <a:spcPts val="500"/>
+              </a:spcBef>
+              <a:buFont typeface="Arial" panose="020B0604020202020204" pitchFamily="34" charset="0"/>
+              <a:buChar char="•"/>
+              <a:defRPr sz="1800" kern="1200">
+                <a:solidFill>
+                  <a:schemeClr val="tx1"/>
+                </a:solidFill>
+                <a:latin typeface="+mn-lt"/>
+                <a:ea typeface="+mn-ea"/>
+                <a:cs typeface="+mn-cs"/>
+              </a:defRPr>
+            </a:lvl5pPr>
+            <a:lvl6pPr marL="2514600" indent="-228600" algn="l" defTabSz="914400" rtl="0" eaLnBrk="1" latinLnBrk="0" hangingPunct="1">
+              <a:lnSpc>
+                <a:spcPct val="90000"/>
+              </a:lnSpc>
+              <a:spcBef>
+                <a:spcPts val="500"/>
+              </a:spcBef>
+              <a:buFont typeface="Arial" panose="020B0604020202020204" pitchFamily="34" charset="0"/>
+              <a:buChar char="•"/>
+              <a:defRPr sz="1800" kern="1200">
+                <a:solidFill>
+                  <a:schemeClr val="tx1"/>
+                </a:solidFill>
+                <a:latin typeface="+mn-lt"/>
+                <a:ea typeface="+mn-ea"/>
+                <a:cs typeface="+mn-cs"/>
+              </a:defRPr>
+            </a:lvl6pPr>
+            <a:lvl7pPr marL="2971800" indent="-228600" algn="l" defTabSz="914400" rtl="0" eaLnBrk="1" latinLnBrk="0" hangingPunct="1">
+              <a:lnSpc>
+                <a:spcPct val="90000"/>
+              </a:lnSpc>
+              <a:spcBef>
+                <a:spcPts val="500"/>
+              </a:spcBef>
+              <a:buFont typeface="Arial" panose="020B0604020202020204" pitchFamily="34" charset="0"/>
+              <a:buChar char="•"/>
+              <a:defRPr sz="1800" kern="1200">
+                <a:solidFill>
+                  <a:schemeClr val="tx1"/>
+                </a:solidFill>
+                <a:latin typeface="+mn-lt"/>
+                <a:ea typeface="+mn-ea"/>
+                <a:cs typeface="+mn-cs"/>
+              </a:defRPr>
+            </a:lvl7pPr>
+            <a:lvl8pPr marL="3429000" indent="-228600" algn="l" defTabSz="914400" rtl="0" eaLnBrk="1" latinLnBrk="0" hangingPunct="1">
+              <a:lnSpc>
+                <a:spcPct val="90000"/>
+              </a:lnSpc>
+              <a:spcBef>
+                <a:spcPts val="500"/>
+              </a:spcBef>
+              <a:buFont typeface="Arial" panose="020B0604020202020204" pitchFamily="34" charset="0"/>
+              <a:buChar char="•"/>
+              <a:defRPr sz="1800" kern="1200">
+                <a:solidFill>
+                  <a:schemeClr val="tx1"/>
+                </a:solidFill>
+                <a:latin typeface="+mn-lt"/>
+                <a:ea typeface="+mn-ea"/>
+                <a:cs typeface="+mn-cs"/>
+              </a:defRPr>
+            </a:lvl8pPr>
+            <a:lvl9pPr marL="3886200" indent="-228600" algn="l" defTabSz="914400" rtl="0" eaLnBrk="1" latinLnBrk="0" hangingPunct="1">
+              <a:lnSpc>
+                <a:spcPct val="90000"/>
+              </a:lnSpc>
+              <a:spcBef>
+                <a:spcPts val="500"/>
+              </a:spcBef>
+              <a:buFont typeface="Arial" panose="020B0604020202020204" pitchFamily="34" charset="0"/>
+              <a:buChar char="•"/>
+              <a:defRPr sz="1800" kern="1200">
+                <a:solidFill>
+                  <a:schemeClr val="tx1"/>
+                </a:solidFill>
+                <a:latin typeface="+mn-lt"/>
+                <a:ea typeface="+mn-ea"/>
+                <a:cs typeface="+mn-cs"/>
+              </a:defRPr>
+            </a:lvl9pPr>
+          </a:lstStyle>
+          <a:p>
+            <a:pPr marL="0" indent="0">
+              <a:buNone/>
+            </a:pPr>
+            <a:r>
+              <a:rPr lang="en-US" sz="2400" b="1" dirty="0"/>
+              <a:t>2- </a:t>
+            </a:r>
+            <a:r>
+              <a:rPr lang="en-US" sz="2400" b="1" dirty="0" err="1"/>
+              <a:t>Iniciaremos</a:t>
+            </a:r>
+            <a:r>
+              <a:rPr lang="en-US" sz="2400" b="1" dirty="0"/>
+              <a:t> </a:t>
+            </a:r>
+            <a:r>
+              <a:rPr lang="en-US" sz="2400" b="1" dirty="0" err="1"/>
+              <a:t>usando</a:t>
+            </a:r>
+            <a:r>
+              <a:rPr lang="en-US" sz="2400" b="1" dirty="0"/>
+              <a:t> Manage Parameters para </a:t>
+            </a:r>
+            <a:r>
+              <a:rPr lang="en-US" sz="2400" b="1" dirty="0" err="1"/>
+              <a:t>generar</a:t>
+            </a:r>
+            <a:r>
+              <a:rPr lang="en-US" sz="2400" b="1" dirty="0"/>
+              <a:t> 2 </a:t>
+            </a:r>
+            <a:r>
+              <a:rPr lang="en-US" sz="2400" b="1" dirty="0" err="1"/>
+              <a:t>nuevos</a:t>
+            </a:r>
+            <a:r>
+              <a:rPr lang="en-US" sz="2400" b="1" dirty="0"/>
+              <a:t> </a:t>
+            </a:r>
+            <a:r>
+              <a:rPr lang="en-US" sz="2400" b="1" dirty="0" err="1"/>
+              <a:t>parametros</a:t>
+            </a:r>
+            <a:r>
+              <a:rPr lang="en-US" sz="2400" b="1" dirty="0"/>
+              <a:t>, [StartDate] (la </a:t>
+            </a:r>
+            <a:r>
+              <a:rPr lang="en-US" sz="2400" b="1" dirty="0" err="1"/>
+              <a:t>fecha</a:t>
+            </a:r>
+            <a:r>
+              <a:rPr lang="en-US" sz="2400" b="1" dirty="0"/>
+              <a:t> </a:t>
+            </a:r>
+            <a:r>
+              <a:rPr lang="en-US" sz="2400" b="1" dirty="0" err="1"/>
+              <a:t>en</a:t>
+            </a:r>
+            <a:r>
+              <a:rPr lang="en-US" sz="2400" b="1" dirty="0"/>
+              <a:t> la </a:t>
+            </a:r>
+            <a:r>
+              <a:rPr lang="en-US" sz="2400" b="1" dirty="0" err="1"/>
+              <a:t>queremos</a:t>
+            </a:r>
+            <a:r>
+              <a:rPr lang="en-US" sz="2400" b="1" dirty="0"/>
+              <a:t> que </a:t>
+            </a:r>
+            <a:r>
+              <a:rPr lang="en-US" sz="2400" b="1" dirty="0" err="1"/>
+              <a:t>inicie</a:t>
+            </a:r>
+            <a:r>
+              <a:rPr lang="en-US" sz="2400" b="1" dirty="0"/>
+              <a:t> el </a:t>
+            </a:r>
+            <a:r>
+              <a:rPr lang="en-US" sz="2400" b="1" dirty="0" err="1"/>
+              <a:t>calendario</a:t>
+            </a:r>
+            <a:r>
+              <a:rPr lang="en-US" sz="2400" b="1" dirty="0"/>
+              <a:t> y [</a:t>
+            </a:r>
+            <a:r>
+              <a:rPr lang="en-US" sz="2400" b="1" dirty="0" err="1"/>
+              <a:t>EndDate</a:t>
+            </a:r>
+            <a:r>
+              <a:rPr lang="en-US" sz="2400" b="1" dirty="0"/>
+              <a:t>], la </a:t>
+            </a:r>
+            <a:r>
+              <a:rPr lang="en-US" sz="2400" b="1" dirty="0" err="1"/>
+              <a:t>fecha</a:t>
+            </a:r>
+            <a:r>
+              <a:rPr lang="en-US" sz="2400" b="1" dirty="0"/>
+              <a:t> </a:t>
+            </a:r>
+            <a:r>
+              <a:rPr lang="en-US" sz="2400" b="1" dirty="0" err="1"/>
+              <a:t>en</a:t>
+            </a:r>
+            <a:r>
+              <a:rPr lang="en-US" sz="2400" b="1" dirty="0"/>
+              <a:t> la que </a:t>
+            </a:r>
+            <a:r>
+              <a:rPr lang="en-US" sz="2400" b="1" dirty="0" err="1"/>
+              <a:t>queremos</a:t>
+            </a:r>
+            <a:r>
+              <a:rPr lang="en-US" sz="2400" b="1" dirty="0"/>
+              <a:t> que </a:t>
+            </a:r>
+            <a:r>
+              <a:rPr lang="en-US" sz="2400" b="1" dirty="0" err="1"/>
+              <a:t>termine</a:t>
+            </a:r>
+            <a:r>
+              <a:rPr lang="en-US" sz="2400" b="1" dirty="0"/>
+              <a:t> </a:t>
+            </a:r>
+          </a:p>
+        </p:txBody>
+      </p:sp>
+      <p:sp>
+        <p:nvSpPr>
+          <p:cNvPr id="11" name="Rectangle 10">
+            <a:extLst>
+              <a:ext uri="{FF2B5EF4-FFF2-40B4-BE49-F238E27FC236}">
+                <a16:creationId xmlns:a16="http://schemas.microsoft.com/office/drawing/2014/main" id="{99ED16F0-5349-4079-9A7F-C7914B79E5D2}"/>
+              </a:ext>
+            </a:extLst>
+          </p:cNvPr>
+          <p:cNvSpPr/>
+          <p:nvPr/>
+        </p:nvSpPr>
+        <p:spPr>
+          <a:xfrm>
+            <a:off x="8172469" y="2272466"/>
+            <a:ext cx="277480" cy="523220"/>
+          </a:xfrm>
+          <a:prstGeom prst="rect">
+            <a:avLst/>
+          </a:prstGeom>
+          <a:noFill/>
+        </p:spPr>
+        <p:txBody>
+          <a:bodyPr wrap="square" lIns="91440" tIns="45720" rIns="91440" bIns="45720">
+            <a:spAutoFit/>
+            <a:scene3d>
+              <a:camera prst="orthographicFront"/>
+              <a:lightRig rig="soft" dir="t">
+                <a:rot lat="0" lon="0" rev="15600000"/>
+              </a:lightRig>
+            </a:scene3d>
+            <a:sp3d extrusionH="57150" prstMaterial="softEdge">
+              <a:bevelT w="25400" h="38100"/>
+            </a:sp3d>
+          </a:bodyPr>
+          <a:lstStyle/>
+          <a:p>
+            <a:pPr algn="ctr"/>
+            <a:r>
+              <a:rPr lang="en-US" sz="2800" b="1" cap="none" spc="0" dirty="0">
+                <a:ln/>
+                <a:solidFill>
+                  <a:schemeClr val="accent4"/>
+                </a:solidFill>
+                <a:effectLst/>
+              </a:rPr>
+              <a:t>1</a:t>
+            </a:r>
+          </a:p>
+        </p:txBody>
+      </p:sp>
+      <p:sp>
+        <p:nvSpPr>
+          <p:cNvPr id="12" name="Rectangle 11">
+            <a:extLst>
+              <a:ext uri="{FF2B5EF4-FFF2-40B4-BE49-F238E27FC236}">
+                <a16:creationId xmlns:a16="http://schemas.microsoft.com/office/drawing/2014/main" id="{262AF062-9FF5-585C-D39A-64E391F79E7C}"/>
+              </a:ext>
+            </a:extLst>
+          </p:cNvPr>
+          <p:cNvSpPr/>
+          <p:nvPr/>
+        </p:nvSpPr>
+        <p:spPr>
+          <a:xfrm>
+            <a:off x="7956091" y="3173795"/>
+            <a:ext cx="277480" cy="523220"/>
+          </a:xfrm>
+          <a:prstGeom prst="rect">
+            <a:avLst/>
+          </a:prstGeom>
+          <a:noFill/>
+        </p:spPr>
+        <p:txBody>
+          <a:bodyPr wrap="square" lIns="91440" tIns="45720" rIns="91440" bIns="45720">
+            <a:spAutoFit/>
+            <a:scene3d>
+              <a:camera prst="orthographicFront"/>
+              <a:lightRig rig="soft" dir="t">
+                <a:rot lat="0" lon="0" rev="15600000"/>
+              </a:lightRig>
+            </a:scene3d>
+            <a:sp3d extrusionH="57150" prstMaterial="softEdge">
+              <a:bevelT w="25400" h="38100"/>
+            </a:sp3d>
+          </a:bodyPr>
+          <a:lstStyle/>
+          <a:p>
+            <a:pPr algn="ctr"/>
+            <a:r>
+              <a:rPr lang="en-US" sz="2800" b="1" dirty="0">
+                <a:ln/>
+                <a:solidFill>
+                  <a:schemeClr val="accent4"/>
+                </a:solidFill>
+              </a:rPr>
+              <a:t>2</a:t>
+            </a:r>
+            <a:endParaRPr lang="en-US" sz="2800" b="1" cap="none" spc="0" dirty="0">
+              <a:ln/>
+              <a:solidFill>
+                <a:schemeClr val="accent4"/>
+              </a:solidFill>
+              <a:effectLst/>
+            </a:endParaRPr>
+          </a:p>
+        </p:txBody>
+      </p:sp>
+      <p:sp>
+        <p:nvSpPr>
+          <p:cNvPr id="13" name="Rectangle 12">
+            <a:extLst>
+              <a:ext uri="{FF2B5EF4-FFF2-40B4-BE49-F238E27FC236}">
+                <a16:creationId xmlns:a16="http://schemas.microsoft.com/office/drawing/2014/main" id="{C4E24674-F503-1F8A-8A79-855B90084574}"/>
+              </a:ext>
+            </a:extLst>
+          </p:cNvPr>
+          <p:cNvSpPr/>
+          <p:nvPr/>
+        </p:nvSpPr>
+        <p:spPr>
+          <a:xfrm>
+            <a:off x="10178830" y="3061655"/>
+            <a:ext cx="277480" cy="523220"/>
+          </a:xfrm>
+          <a:prstGeom prst="rect">
+            <a:avLst/>
+          </a:prstGeom>
+          <a:noFill/>
+        </p:spPr>
+        <p:txBody>
+          <a:bodyPr wrap="square" lIns="91440" tIns="45720" rIns="91440" bIns="45720">
+            <a:spAutoFit/>
+            <a:scene3d>
+              <a:camera prst="orthographicFront"/>
+              <a:lightRig rig="soft" dir="t">
+                <a:rot lat="0" lon="0" rev="15600000"/>
+              </a:lightRig>
+            </a:scene3d>
+            <a:sp3d extrusionH="57150" prstMaterial="softEdge">
+              <a:bevelT w="25400" h="38100"/>
+            </a:sp3d>
+          </a:bodyPr>
+          <a:lstStyle/>
+          <a:p>
+            <a:pPr algn="ctr"/>
+            <a:r>
+              <a:rPr lang="en-US" sz="2800" b="1" cap="none" spc="0" dirty="0">
+                <a:ln/>
+                <a:solidFill>
+                  <a:schemeClr val="accent4"/>
+                </a:solidFill>
+                <a:effectLst/>
+              </a:rPr>
+              <a:t>3</a:t>
+            </a:r>
+          </a:p>
+        </p:txBody>
+      </p:sp>
+      <p:sp>
+        <p:nvSpPr>
+          <p:cNvPr id="14" name="Content Placeholder 2">
+            <a:extLst>
+              <a:ext uri="{FF2B5EF4-FFF2-40B4-BE49-F238E27FC236}">
+                <a16:creationId xmlns:a16="http://schemas.microsoft.com/office/drawing/2014/main" id="{398C4D04-7D87-0C7E-A5E8-28FDA6C0B726}"/>
+              </a:ext>
+            </a:extLst>
+          </p:cNvPr>
+          <p:cNvSpPr txBox="1">
+            <a:spLocks/>
+          </p:cNvSpPr>
+          <p:nvPr/>
+        </p:nvSpPr>
+        <p:spPr>
+          <a:xfrm>
+            <a:off x="6323765" y="6055743"/>
+            <a:ext cx="4904951" cy="574621"/>
+          </a:xfrm>
+          <a:prstGeom prst="rect">
+            <a:avLst/>
+          </a:prstGeom>
+        </p:spPr>
+        <p:txBody>
+          <a:bodyPr vert="horz" lIns="91440" tIns="45720" rIns="91440" bIns="45720" rtlCol="0">
+            <a:normAutofit/>
+          </a:bodyPr>
+          <a:lstStyle>
+            <a:lvl1pPr marL="228600" indent="-228600" algn="l" defTabSz="914400" rtl="0" eaLnBrk="1" latinLnBrk="0" hangingPunct="1">
+              <a:lnSpc>
+                <a:spcPct val="90000"/>
+              </a:lnSpc>
+              <a:spcBef>
+                <a:spcPts val="1000"/>
+              </a:spcBef>
+              <a:buFont typeface="Arial" panose="020B0604020202020204" pitchFamily="34" charset="0"/>
+              <a:buChar char="•"/>
+              <a:defRPr sz="2800" kern="1200">
+                <a:solidFill>
+                  <a:schemeClr val="tx1"/>
+                </a:solidFill>
+                <a:latin typeface="+mn-lt"/>
+                <a:ea typeface="+mn-ea"/>
+                <a:cs typeface="+mn-cs"/>
+              </a:defRPr>
+            </a:lvl1pPr>
+            <a:lvl2pPr marL="685800" indent="-228600" algn="l" defTabSz="914400" rtl="0" eaLnBrk="1" latinLnBrk="0" hangingPunct="1">
+              <a:lnSpc>
+                <a:spcPct val="90000"/>
+              </a:lnSpc>
+              <a:spcBef>
+                <a:spcPts val="500"/>
+              </a:spcBef>
+              <a:buFont typeface="Arial" panose="020B0604020202020204" pitchFamily="34" charset="0"/>
+              <a:buChar char="•"/>
+              <a:defRPr sz="2400" kern="1200">
+                <a:solidFill>
+                  <a:schemeClr val="tx1"/>
+                </a:solidFill>
+                <a:latin typeface="+mn-lt"/>
+                <a:ea typeface="+mn-ea"/>
+                <a:cs typeface="+mn-cs"/>
+              </a:defRPr>
+            </a:lvl2pPr>
+            <a:lvl3pPr marL="1143000" indent="-228600" algn="l" defTabSz="914400" rtl="0" eaLnBrk="1" latinLnBrk="0" hangingPunct="1">
+              <a:lnSpc>
+                <a:spcPct val="90000"/>
+              </a:lnSpc>
+              <a:spcBef>
+                <a:spcPts val="500"/>
+              </a:spcBef>
+              <a:buFont typeface="Arial" panose="020B0604020202020204" pitchFamily="34" charset="0"/>
+              <a:buChar char="•"/>
+              <a:defRPr sz="2000" kern="1200">
+                <a:solidFill>
+                  <a:schemeClr val="tx1"/>
+                </a:solidFill>
+                <a:latin typeface="+mn-lt"/>
+                <a:ea typeface="+mn-ea"/>
+                <a:cs typeface="+mn-cs"/>
+              </a:defRPr>
+            </a:lvl3pPr>
+            <a:lvl4pPr marL="1600200" indent="-228600" algn="l" defTabSz="914400" rtl="0" eaLnBrk="1" latinLnBrk="0" hangingPunct="1">
+              <a:lnSpc>
+                <a:spcPct val="90000"/>
+              </a:lnSpc>
+              <a:spcBef>
+                <a:spcPts val="500"/>
+              </a:spcBef>
+              <a:buFont typeface="Arial" panose="020B0604020202020204" pitchFamily="34" charset="0"/>
+              <a:buChar char="•"/>
+              <a:defRPr sz="1800" kern="1200">
+                <a:solidFill>
+                  <a:schemeClr val="tx1"/>
+                </a:solidFill>
+                <a:latin typeface="+mn-lt"/>
+                <a:ea typeface="+mn-ea"/>
+                <a:cs typeface="+mn-cs"/>
+              </a:defRPr>
+            </a:lvl4pPr>
+            <a:lvl5pPr marL="2057400" indent="-228600" algn="l" defTabSz="914400" rtl="0" eaLnBrk="1" latinLnBrk="0" hangingPunct="1">
+              <a:lnSpc>
+                <a:spcPct val="90000"/>
+              </a:lnSpc>
+              <a:spcBef>
+                <a:spcPts val="500"/>
+              </a:spcBef>
+              <a:buFont typeface="Arial" panose="020B0604020202020204" pitchFamily="34" charset="0"/>
+              <a:buChar char="•"/>
+              <a:defRPr sz="1800" kern="1200">
+                <a:solidFill>
+                  <a:schemeClr val="tx1"/>
+                </a:solidFill>
+                <a:latin typeface="+mn-lt"/>
+                <a:ea typeface="+mn-ea"/>
+                <a:cs typeface="+mn-cs"/>
+              </a:defRPr>
+            </a:lvl5pPr>
+            <a:lvl6pPr marL="2514600" indent="-228600" algn="l" defTabSz="914400" rtl="0" eaLnBrk="1" latinLnBrk="0" hangingPunct="1">
+              <a:lnSpc>
+                <a:spcPct val="90000"/>
+              </a:lnSpc>
+              <a:spcBef>
+                <a:spcPts val="500"/>
+              </a:spcBef>
+              <a:buFont typeface="Arial" panose="020B0604020202020204" pitchFamily="34" charset="0"/>
+              <a:buChar char="•"/>
+              <a:defRPr sz="1800" kern="1200">
+                <a:solidFill>
+                  <a:schemeClr val="tx1"/>
+                </a:solidFill>
+                <a:latin typeface="+mn-lt"/>
+                <a:ea typeface="+mn-ea"/>
+                <a:cs typeface="+mn-cs"/>
+              </a:defRPr>
+            </a:lvl6pPr>
+            <a:lvl7pPr marL="2971800" indent="-228600" algn="l" defTabSz="914400" rtl="0" eaLnBrk="1" latinLnBrk="0" hangingPunct="1">
+              <a:lnSpc>
+                <a:spcPct val="90000"/>
+              </a:lnSpc>
+              <a:spcBef>
+                <a:spcPts val="500"/>
+              </a:spcBef>
+              <a:buFont typeface="Arial" panose="020B0604020202020204" pitchFamily="34" charset="0"/>
+              <a:buChar char="•"/>
+              <a:defRPr sz="1800" kern="1200">
+                <a:solidFill>
+                  <a:schemeClr val="tx1"/>
+                </a:solidFill>
+                <a:latin typeface="+mn-lt"/>
+                <a:ea typeface="+mn-ea"/>
+                <a:cs typeface="+mn-cs"/>
+              </a:defRPr>
+            </a:lvl7pPr>
+            <a:lvl8pPr marL="3429000" indent="-228600" algn="l" defTabSz="914400" rtl="0" eaLnBrk="1" latinLnBrk="0" hangingPunct="1">
+              <a:lnSpc>
+                <a:spcPct val="90000"/>
+              </a:lnSpc>
+              <a:spcBef>
+                <a:spcPts val="500"/>
+              </a:spcBef>
+              <a:buFont typeface="Arial" panose="020B0604020202020204" pitchFamily="34" charset="0"/>
+              <a:buChar char="•"/>
+              <a:defRPr sz="1800" kern="1200">
+                <a:solidFill>
+                  <a:schemeClr val="tx1"/>
+                </a:solidFill>
+                <a:latin typeface="+mn-lt"/>
+                <a:ea typeface="+mn-ea"/>
+                <a:cs typeface="+mn-cs"/>
+              </a:defRPr>
+            </a:lvl8pPr>
+            <a:lvl9pPr marL="3886200" indent="-228600" algn="l" defTabSz="914400" rtl="0" eaLnBrk="1" latinLnBrk="0" hangingPunct="1">
+              <a:lnSpc>
+                <a:spcPct val="90000"/>
+              </a:lnSpc>
+              <a:spcBef>
+                <a:spcPts val="500"/>
+              </a:spcBef>
+              <a:buFont typeface="Arial" panose="020B0604020202020204" pitchFamily="34" charset="0"/>
+              <a:buChar char="•"/>
+              <a:defRPr sz="1800" kern="1200">
+                <a:solidFill>
+                  <a:schemeClr val="tx1"/>
+                </a:solidFill>
+                <a:latin typeface="+mn-lt"/>
+                <a:ea typeface="+mn-ea"/>
+                <a:cs typeface="+mn-cs"/>
+              </a:defRPr>
+            </a:lvl9pPr>
+          </a:lstStyle>
+          <a:p>
+            <a:pPr marL="0" indent="0">
+              <a:buNone/>
+            </a:pPr>
+            <a:r>
+              <a:rPr lang="en-US" sz="1400" b="1" dirty="0">
+                <a:solidFill>
+                  <a:srgbClr val="0070C0"/>
+                </a:solidFill>
+              </a:rPr>
+              <a:t>Nota: usar el </a:t>
+            </a:r>
+            <a:r>
+              <a:rPr lang="en-US" sz="1400" b="1" dirty="0" err="1">
+                <a:solidFill>
+                  <a:srgbClr val="0070C0"/>
+                </a:solidFill>
+              </a:rPr>
+              <a:t>tipo</a:t>
+            </a:r>
+            <a:r>
+              <a:rPr lang="en-US" sz="1400" b="1" dirty="0">
+                <a:solidFill>
+                  <a:srgbClr val="0070C0"/>
+                </a:solidFill>
+              </a:rPr>
+              <a:t> de </a:t>
+            </a:r>
+            <a:r>
+              <a:rPr lang="en-US" sz="1400" b="1" dirty="0" err="1">
+                <a:solidFill>
+                  <a:srgbClr val="0070C0"/>
+                </a:solidFill>
+              </a:rPr>
+              <a:t>dato</a:t>
+            </a:r>
+            <a:r>
+              <a:rPr lang="en-US" sz="1400" b="1" dirty="0">
+                <a:solidFill>
+                  <a:srgbClr val="0070C0"/>
+                </a:solidFill>
+              </a:rPr>
+              <a:t> </a:t>
+            </a:r>
+            <a:r>
+              <a:rPr lang="en-US" sz="1400" b="1" dirty="0" err="1">
+                <a:solidFill>
+                  <a:srgbClr val="0070C0"/>
+                </a:solidFill>
+              </a:rPr>
+              <a:t>fecha</a:t>
+            </a:r>
+            <a:r>
+              <a:rPr lang="en-US" sz="1400" b="1" dirty="0">
+                <a:solidFill>
+                  <a:srgbClr val="0070C0"/>
+                </a:solidFill>
+              </a:rPr>
+              <a:t> y </a:t>
+            </a:r>
+            <a:r>
+              <a:rPr lang="en-US" sz="1400" b="1" dirty="0" err="1">
+                <a:solidFill>
+                  <a:srgbClr val="0070C0"/>
+                </a:solidFill>
+              </a:rPr>
+              <a:t>colocar</a:t>
+            </a:r>
+            <a:r>
+              <a:rPr lang="en-US" sz="1400" b="1" dirty="0">
+                <a:solidFill>
+                  <a:srgbClr val="0070C0"/>
+                </a:solidFill>
+              </a:rPr>
+              <a:t> los meses y </a:t>
+            </a:r>
+            <a:r>
+              <a:rPr lang="en-US" sz="1400" b="1" dirty="0" err="1">
+                <a:solidFill>
+                  <a:srgbClr val="0070C0"/>
+                </a:solidFill>
+              </a:rPr>
+              <a:t>dias</a:t>
+            </a:r>
+            <a:r>
+              <a:rPr lang="en-US" sz="1400" b="1" dirty="0">
+                <a:solidFill>
+                  <a:srgbClr val="0070C0"/>
+                </a:solidFill>
+              </a:rPr>
+              <a:t> </a:t>
+            </a:r>
+            <a:r>
+              <a:rPr lang="en-US" sz="1400" b="1" dirty="0" err="1">
+                <a:solidFill>
+                  <a:srgbClr val="0070C0"/>
+                </a:solidFill>
+              </a:rPr>
+              <a:t>en</a:t>
+            </a:r>
+            <a:r>
+              <a:rPr lang="en-US" sz="1400" b="1" dirty="0">
+                <a:solidFill>
+                  <a:srgbClr val="0070C0"/>
+                </a:solidFill>
+              </a:rPr>
+              <a:t> el </a:t>
+            </a:r>
+            <a:r>
+              <a:rPr lang="en-US" sz="1400" b="1" dirty="0" err="1">
+                <a:solidFill>
+                  <a:srgbClr val="0070C0"/>
+                </a:solidFill>
+              </a:rPr>
+              <a:t>orden</a:t>
+            </a:r>
+            <a:r>
+              <a:rPr lang="en-US" sz="1400" b="1" dirty="0">
+                <a:solidFill>
+                  <a:srgbClr val="0070C0"/>
+                </a:solidFill>
+              </a:rPr>
+              <a:t> </a:t>
+            </a:r>
+            <a:r>
+              <a:rPr lang="en-US" sz="1400" b="1" dirty="0" err="1">
+                <a:solidFill>
+                  <a:srgbClr val="0070C0"/>
+                </a:solidFill>
+              </a:rPr>
+              <a:t>adecuado</a:t>
+            </a:r>
+            <a:r>
+              <a:rPr lang="en-US" sz="1400" b="1" dirty="0">
+                <a:solidFill>
+                  <a:srgbClr val="0070C0"/>
+                </a:solidFill>
+              </a:rPr>
+              <a:t> para </a:t>
+            </a:r>
+            <a:r>
+              <a:rPr lang="en-US" sz="1400" b="1" dirty="0" err="1">
+                <a:solidFill>
+                  <a:srgbClr val="0070C0"/>
+                </a:solidFill>
+              </a:rPr>
+              <a:t>poder</a:t>
+            </a:r>
+            <a:r>
+              <a:rPr lang="en-US" sz="1400" b="1" dirty="0">
+                <a:solidFill>
+                  <a:srgbClr val="0070C0"/>
+                </a:solidFill>
+              </a:rPr>
+              <a:t> </a:t>
+            </a:r>
+            <a:r>
+              <a:rPr lang="en-US" sz="1400" b="1" dirty="0" err="1">
+                <a:solidFill>
+                  <a:srgbClr val="0070C0"/>
+                </a:solidFill>
+              </a:rPr>
+              <a:t>habilitar</a:t>
+            </a:r>
+            <a:r>
+              <a:rPr lang="en-US" sz="1400" b="1" dirty="0">
+                <a:solidFill>
+                  <a:srgbClr val="0070C0"/>
+                </a:solidFill>
+              </a:rPr>
+              <a:t> el </a:t>
+            </a:r>
+            <a:r>
+              <a:rPr lang="en-US" sz="1400" b="1" dirty="0" err="1">
+                <a:solidFill>
+                  <a:srgbClr val="0070C0"/>
+                </a:solidFill>
+              </a:rPr>
+              <a:t>boton</a:t>
+            </a:r>
+            <a:r>
+              <a:rPr lang="en-US" sz="1400" b="1" dirty="0">
+                <a:solidFill>
+                  <a:srgbClr val="0070C0"/>
+                </a:solidFill>
+              </a:rPr>
+              <a:t> “Ok”</a:t>
+            </a:r>
+          </a:p>
+        </p:txBody>
+      </p:sp>
+    </p:spTree>
+    <p:extLst>
+      <p:ext uri="{BB962C8B-B14F-4D97-AF65-F5344CB8AC3E}">
+        <p14:creationId xmlns:p14="http://schemas.microsoft.com/office/powerpoint/2010/main" val="2009699777"/>
+      </p:ext>
+    </p:extLst>
+  </p:cSld>
+  <p:clrMapOvr>
+    <a:masterClrMapping/>
+  </p:clrMapOvr>
+</p:sld>
+</file>
+
+<file path=ppt/slides/slide14.xml><?xml version="1.0" encoding="utf-8"?>
+<p:sld xmlns:a="http://schemas.openxmlformats.org/drawingml/2006/main" xmlns:r="http://schemas.openxmlformats.org/officeDocument/2006/relationships" xmlns:p="http://schemas.openxmlformats.org/presentationml/2006/main">
+  <p:cSld>
+    <p:spTree>
+      <p:nvGrpSpPr>
+        <p:cNvPr id="1" name=""/>
+        <p:cNvGrpSpPr/>
+        <p:nvPr/>
+      </p:nvGrpSpPr>
+      <p:grpSpPr>
+        <a:xfrm>
+          <a:off x="0" y="0"/>
+          <a:ext cx="0" cy="0"/>
+          <a:chOff x="0" y="0"/>
+          <a:chExt cx="0" cy="0"/>
+        </a:xfrm>
+      </p:grpSpPr>
+      <p:pic>
+        <p:nvPicPr>
+          <p:cNvPr id="5" name="Picture 4">
+            <a:extLst>
+              <a:ext uri="{FF2B5EF4-FFF2-40B4-BE49-F238E27FC236}">
+                <a16:creationId xmlns:a16="http://schemas.microsoft.com/office/drawing/2014/main" id="{BDB9D114-8F18-3F0F-1940-46E720642631}"/>
+              </a:ext>
+            </a:extLst>
+          </p:cNvPr>
+          <p:cNvPicPr>
+            <a:picLocks noChangeAspect="1"/>
+          </p:cNvPicPr>
+          <p:nvPr/>
+        </p:nvPicPr>
+        <p:blipFill>
+          <a:blip r:embed="rId2"/>
+          <a:stretch>
+            <a:fillRect/>
+          </a:stretch>
+        </p:blipFill>
+        <p:spPr>
+          <a:xfrm>
+            <a:off x="798302" y="1797693"/>
+            <a:ext cx="2048161" cy="4667901"/>
+          </a:xfrm>
+          <a:prstGeom prst="rect">
+            <a:avLst/>
+          </a:prstGeom>
+        </p:spPr>
+      </p:pic>
+      <p:sp>
+        <p:nvSpPr>
+          <p:cNvPr id="6" name="Rectangle 5">
+            <a:extLst>
+              <a:ext uri="{FF2B5EF4-FFF2-40B4-BE49-F238E27FC236}">
+                <a16:creationId xmlns:a16="http://schemas.microsoft.com/office/drawing/2014/main" id="{C962FBB5-97C8-1C63-F8F0-379CF94E35C4}"/>
+              </a:ext>
+            </a:extLst>
+          </p:cNvPr>
+          <p:cNvSpPr/>
+          <p:nvPr/>
+        </p:nvSpPr>
+        <p:spPr>
+          <a:xfrm>
+            <a:off x="1309034" y="2059265"/>
+            <a:ext cx="513348" cy="595704"/>
+          </a:xfrm>
+          <a:prstGeom prst="rect">
+            <a:avLst/>
+          </a:prstGeom>
+          <a:noFill/>
+          <a:ln w="28575">
+            <a:solidFill>
+              <a:srgbClr val="FF0000"/>
+            </a:solidFill>
+          </a:ln>
+        </p:spPr>
+        <p:style>
+          <a:lnRef idx="2">
+            <a:schemeClr val="accent1">
+              <a:shade val="15000"/>
+            </a:schemeClr>
+          </a:lnRef>
+          <a:fillRef idx="1">
+            <a:schemeClr val="accent1"/>
+          </a:fillRef>
+          <a:effectRef idx="0">
+            <a:schemeClr val="accent1"/>
+          </a:effectRef>
+          <a:fontRef idx="minor">
+            <a:schemeClr val="lt1"/>
+          </a:fontRef>
+        </p:style>
+        <p:txBody>
+          <a:bodyPr rtlCol="0" anchor="ctr"/>
+          <a:lstStyle/>
+          <a:p>
+            <a:pPr algn="ctr"/>
+            <a:endParaRPr lang="en-US"/>
+          </a:p>
+        </p:txBody>
+      </p:sp>
+      <p:sp>
+        <p:nvSpPr>
+          <p:cNvPr id="7" name="Rectangle 6">
+            <a:extLst>
+              <a:ext uri="{FF2B5EF4-FFF2-40B4-BE49-F238E27FC236}">
+                <a16:creationId xmlns:a16="http://schemas.microsoft.com/office/drawing/2014/main" id="{26BABA90-A8E1-60E2-9BBC-EDE1696CB24E}"/>
+              </a:ext>
+            </a:extLst>
+          </p:cNvPr>
+          <p:cNvSpPr/>
+          <p:nvPr/>
+        </p:nvSpPr>
+        <p:spPr>
+          <a:xfrm>
+            <a:off x="720289" y="5368751"/>
+            <a:ext cx="1358768" cy="454532"/>
+          </a:xfrm>
+          <a:prstGeom prst="rect">
+            <a:avLst/>
+          </a:prstGeom>
+          <a:noFill/>
+          <a:ln w="28575">
+            <a:solidFill>
+              <a:srgbClr val="FF0000"/>
+            </a:solidFill>
+          </a:ln>
+        </p:spPr>
+        <p:style>
+          <a:lnRef idx="2">
+            <a:schemeClr val="accent1">
+              <a:shade val="15000"/>
+            </a:schemeClr>
+          </a:lnRef>
+          <a:fillRef idx="1">
+            <a:schemeClr val="accent1"/>
+          </a:fillRef>
+          <a:effectRef idx="0">
+            <a:schemeClr val="accent1"/>
+          </a:effectRef>
+          <a:fontRef idx="minor">
+            <a:schemeClr val="lt1"/>
+          </a:fontRef>
+        </p:style>
+        <p:txBody>
+          <a:bodyPr rtlCol="0" anchor="ctr"/>
+          <a:lstStyle/>
+          <a:p>
+            <a:pPr algn="ctr"/>
+            <a:endParaRPr lang="en-US"/>
+          </a:p>
+        </p:txBody>
+      </p:sp>
+      <p:sp>
+        <p:nvSpPr>
+          <p:cNvPr id="8" name="Content Placeholder 2">
+            <a:extLst>
+              <a:ext uri="{FF2B5EF4-FFF2-40B4-BE49-F238E27FC236}">
+                <a16:creationId xmlns:a16="http://schemas.microsoft.com/office/drawing/2014/main" id="{6A2B30AB-2388-A097-85D5-1FD994D64843}"/>
+              </a:ext>
+            </a:extLst>
+          </p:cNvPr>
+          <p:cNvSpPr txBox="1">
+            <a:spLocks/>
+          </p:cNvSpPr>
+          <p:nvPr/>
+        </p:nvSpPr>
+        <p:spPr>
+          <a:xfrm>
+            <a:off x="218023" y="192169"/>
+            <a:ext cx="3824588" cy="1605524"/>
+          </a:xfrm>
+          <a:prstGeom prst="rect">
+            <a:avLst/>
+          </a:prstGeom>
+        </p:spPr>
+        <p:txBody>
+          <a:bodyPr vert="horz" lIns="91440" tIns="45720" rIns="91440" bIns="45720" rtlCol="0">
+            <a:normAutofit/>
+          </a:bodyPr>
+          <a:lstStyle>
+            <a:lvl1pPr marL="228600" indent="-228600" algn="l" defTabSz="914400" rtl="0" eaLnBrk="1" latinLnBrk="0" hangingPunct="1">
+              <a:lnSpc>
+                <a:spcPct val="90000"/>
+              </a:lnSpc>
+              <a:spcBef>
+                <a:spcPts val="1000"/>
+              </a:spcBef>
+              <a:buFont typeface="Arial" panose="020B0604020202020204" pitchFamily="34" charset="0"/>
+              <a:buChar char="•"/>
+              <a:defRPr sz="2800" kern="1200">
+                <a:solidFill>
+                  <a:schemeClr val="tx1"/>
+                </a:solidFill>
+                <a:latin typeface="+mn-lt"/>
+                <a:ea typeface="+mn-ea"/>
+                <a:cs typeface="+mn-cs"/>
+              </a:defRPr>
+            </a:lvl1pPr>
+            <a:lvl2pPr marL="685800" indent="-228600" algn="l" defTabSz="914400" rtl="0" eaLnBrk="1" latinLnBrk="0" hangingPunct="1">
+              <a:lnSpc>
+                <a:spcPct val="90000"/>
+              </a:lnSpc>
+              <a:spcBef>
+                <a:spcPts val="500"/>
+              </a:spcBef>
+              <a:buFont typeface="Arial" panose="020B0604020202020204" pitchFamily="34" charset="0"/>
+              <a:buChar char="•"/>
+              <a:defRPr sz="2400" kern="1200">
+                <a:solidFill>
+                  <a:schemeClr val="tx1"/>
+                </a:solidFill>
+                <a:latin typeface="+mn-lt"/>
+                <a:ea typeface="+mn-ea"/>
+                <a:cs typeface="+mn-cs"/>
+              </a:defRPr>
+            </a:lvl2pPr>
+            <a:lvl3pPr marL="1143000" indent="-228600" algn="l" defTabSz="914400" rtl="0" eaLnBrk="1" latinLnBrk="0" hangingPunct="1">
+              <a:lnSpc>
+                <a:spcPct val="90000"/>
+              </a:lnSpc>
+              <a:spcBef>
+                <a:spcPts val="500"/>
+              </a:spcBef>
+              <a:buFont typeface="Arial" panose="020B0604020202020204" pitchFamily="34" charset="0"/>
+              <a:buChar char="•"/>
+              <a:defRPr sz="2000" kern="1200">
+                <a:solidFill>
+                  <a:schemeClr val="tx1"/>
+                </a:solidFill>
+                <a:latin typeface="+mn-lt"/>
+                <a:ea typeface="+mn-ea"/>
+                <a:cs typeface="+mn-cs"/>
+              </a:defRPr>
+            </a:lvl3pPr>
+            <a:lvl4pPr marL="1600200" indent="-228600" algn="l" defTabSz="914400" rtl="0" eaLnBrk="1" latinLnBrk="0" hangingPunct="1">
+              <a:lnSpc>
+                <a:spcPct val="90000"/>
+              </a:lnSpc>
+              <a:spcBef>
+                <a:spcPts val="500"/>
+              </a:spcBef>
+              <a:buFont typeface="Arial" panose="020B0604020202020204" pitchFamily="34" charset="0"/>
+              <a:buChar char="•"/>
+              <a:defRPr sz="1800" kern="1200">
+                <a:solidFill>
+                  <a:schemeClr val="tx1"/>
+                </a:solidFill>
+                <a:latin typeface="+mn-lt"/>
+                <a:ea typeface="+mn-ea"/>
+                <a:cs typeface="+mn-cs"/>
+              </a:defRPr>
+            </a:lvl4pPr>
+            <a:lvl5pPr marL="2057400" indent="-228600" algn="l" defTabSz="914400" rtl="0" eaLnBrk="1" latinLnBrk="0" hangingPunct="1">
+              <a:lnSpc>
+                <a:spcPct val="90000"/>
+              </a:lnSpc>
+              <a:spcBef>
+                <a:spcPts val="500"/>
+              </a:spcBef>
+              <a:buFont typeface="Arial" panose="020B0604020202020204" pitchFamily="34" charset="0"/>
+              <a:buChar char="•"/>
+              <a:defRPr sz="1800" kern="1200">
+                <a:solidFill>
+                  <a:schemeClr val="tx1"/>
+                </a:solidFill>
+                <a:latin typeface="+mn-lt"/>
+                <a:ea typeface="+mn-ea"/>
+                <a:cs typeface="+mn-cs"/>
+              </a:defRPr>
+            </a:lvl5pPr>
+            <a:lvl6pPr marL="2514600" indent="-228600" algn="l" defTabSz="914400" rtl="0" eaLnBrk="1" latinLnBrk="0" hangingPunct="1">
+              <a:lnSpc>
+                <a:spcPct val="90000"/>
+              </a:lnSpc>
+              <a:spcBef>
+                <a:spcPts val="500"/>
+              </a:spcBef>
+              <a:buFont typeface="Arial" panose="020B0604020202020204" pitchFamily="34" charset="0"/>
+              <a:buChar char="•"/>
+              <a:defRPr sz="1800" kern="1200">
+                <a:solidFill>
+                  <a:schemeClr val="tx1"/>
+                </a:solidFill>
+                <a:latin typeface="+mn-lt"/>
+                <a:ea typeface="+mn-ea"/>
+                <a:cs typeface="+mn-cs"/>
+              </a:defRPr>
+            </a:lvl6pPr>
+            <a:lvl7pPr marL="2971800" indent="-228600" algn="l" defTabSz="914400" rtl="0" eaLnBrk="1" latinLnBrk="0" hangingPunct="1">
+              <a:lnSpc>
+                <a:spcPct val="90000"/>
+              </a:lnSpc>
+              <a:spcBef>
+                <a:spcPts val="500"/>
+              </a:spcBef>
+              <a:buFont typeface="Arial" panose="020B0604020202020204" pitchFamily="34" charset="0"/>
+              <a:buChar char="•"/>
+              <a:defRPr sz="1800" kern="1200">
+                <a:solidFill>
+                  <a:schemeClr val="tx1"/>
+                </a:solidFill>
+                <a:latin typeface="+mn-lt"/>
+                <a:ea typeface="+mn-ea"/>
+                <a:cs typeface="+mn-cs"/>
+              </a:defRPr>
+            </a:lvl7pPr>
+            <a:lvl8pPr marL="3429000" indent="-228600" algn="l" defTabSz="914400" rtl="0" eaLnBrk="1" latinLnBrk="0" hangingPunct="1">
+              <a:lnSpc>
+                <a:spcPct val="90000"/>
+              </a:lnSpc>
+              <a:spcBef>
+                <a:spcPts val="500"/>
+              </a:spcBef>
+              <a:buFont typeface="Arial" panose="020B0604020202020204" pitchFamily="34" charset="0"/>
+              <a:buChar char="•"/>
+              <a:defRPr sz="1800" kern="1200">
+                <a:solidFill>
+                  <a:schemeClr val="tx1"/>
+                </a:solidFill>
+                <a:latin typeface="+mn-lt"/>
+                <a:ea typeface="+mn-ea"/>
+                <a:cs typeface="+mn-cs"/>
+              </a:defRPr>
+            </a:lvl8pPr>
+            <a:lvl9pPr marL="3886200" indent="-228600" algn="l" defTabSz="914400" rtl="0" eaLnBrk="1" latinLnBrk="0" hangingPunct="1">
+              <a:lnSpc>
+                <a:spcPct val="90000"/>
+              </a:lnSpc>
+              <a:spcBef>
+                <a:spcPts val="500"/>
+              </a:spcBef>
+              <a:buFont typeface="Arial" panose="020B0604020202020204" pitchFamily="34" charset="0"/>
+              <a:buChar char="•"/>
+              <a:defRPr sz="1800" kern="1200">
+                <a:solidFill>
+                  <a:schemeClr val="tx1"/>
+                </a:solidFill>
+                <a:latin typeface="+mn-lt"/>
+                <a:ea typeface="+mn-ea"/>
+                <a:cs typeface="+mn-cs"/>
+              </a:defRPr>
+            </a:lvl9pPr>
+          </a:lstStyle>
+          <a:p>
+            <a:pPr marL="0" indent="0">
+              <a:buNone/>
+            </a:pPr>
+            <a:r>
+              <a:rPr lang="en-US" sz="2400" b="1" dirty="0"/>
+              <a:t>3- Una </a:t>
+            </a:r>
+            <a:r>
+              <a:rPr lang="en-US" sz="2400" b="1" dirty="0" err="1"/>
+              <a:t>vez</a:t>
+            </a:r>
+            <a:r>
+              <a:rPr lang="en-US" sz="2400" b="1" dirty="0"/>
+              <a:t> que se </a:t>
+            </a:r>
+            <a:r>
+              <a:rPr lang="en-US" sz="2400" b="1" dirty="0" err="1"/>
+              <a:t>tienen</a:t>
+            </a:r>
+            <a:r>
+              <a:rPr lang="en-US" sz="2400" b="1" dirty="0"/>
+              <a:t> los </a:t>
+            </a:r>
+            <a:r>
+              <a:rPr lang="en-US" sz="2400" b="1" dirty="0" err="1"/>
+              <a:t>parametros</a:t>
+            </a:r>
+            <a:r>
+              <a:rPr lang="en-US" sz="2400" b="1" dirty="0"/>
+              <a:t> </a:t>
+            </a:r>
+            <a:r>
+              <a:rPr lang="en-US" sz="2400" b="1" dirty="0" err="1"/>
+              <a:t>listos</a:t>
+            </a:r>
+            <a:r>
+              <a:rPr lang="en-US" sz="2400" b="1" dirty="0"/>
+              <a:t> </a:t>
+            </a:r>
+            <a:r>
+              <a:rPr lang="en-US" sz="2400" b="1" dirty="0" err="1"/>
+              <a:t>procederemos</a:t>
+            </a:r>
+            <a:r>
+              <a:rPr lang="en-US" sz="2400" b="1" dirty="0"/>
+              <a:t> a </a:t>
+            </a:r>
+            <a:r>
+              <a:rPr lang="en-US" sz="2400" b="1" dirty="0" err="1"/>
+              <a:t>generar</a:t>
+            </a:r>
+            <a:r>
+              <a:rPr lang="en-US" sz="2400" b="1" dirty="0"/>
+              <a:t> </a:t>
+            </a:r>
+            <a:r>
+              <a:rPr lang="en-US" sz="2400" b="1" dirty="0" err="1"/>
+              <a:t>una</a:t>
+            </a:r>
+            <a:r>
+              <a:rPr lang="en-US" sz="2400" b="1" dirty="0"/>
+              <a:t> query </a:t>
+            </a:r>
+            <a:r>
+              <a:rPr lang="en-US" sz="2400" b="1" dirty="0" err="1"/>
+              <a:t>en</a:t>
+            </a:r>
+            <a:r>
+              <a:rPr lang="en-US" sz="2400" b="1" dirty="0"/>
+              <a:t> </a:t>
+            </a:r>
+            <a:r>
+              <a:rPr lang="en-US" sz="2400" b="1" dirty="0" err="1"/>
+              <a:t>blanco</a:t>
+            </a:r>
+            <a:endParaRPr lang="en-US" sz="2400" b="1" dirty="0"/>
+          </a:p>
+        </p:txBody>
+      </p:sp>
+      <p:sp>
+        <p:nvSpPr>
+          <p:cNvPr id="9" name="Content Placeholder 2">
+            <a:extLst>
+              <a:ext uri="{FF2B5EF4-FFF2-40B4-BE49-F238E27FC236}">
+                <a16:creationId xmlns:a16="http://schemas.microsoft.com/office/drawing/2014/main" id="{3487DC41-1321-C16C-5FA9-69A1FFA99300}"/>
+              </a:ext>
+            </a:extLst>
+          </p:cNvPr>
+          <p:cNvSpPr txBox="1">
+            <a:spLocks/>
+          </p:cNvSpPr>
+          <p:nvPr/>
+        </p:nvSpPr>
+        <p:spPr>
+          <a:xfrm>
+            <a:off x="5992181" y="442335"/>
+            <a:ext cx="5218377" cy="1287688"/>
+          </a:xfrm>
+          <a:prstGeom prst="rect">
+            <a:avLst/>
+          </a:prstGeom>
+        </p:spPr>
+        <p:txBody>
+          <a:bodyPr vert="horz" lIns="91440" tIns="45720" rIns="91440" bIns="45720" rtlCol="0">
+            <a:normAutofit fontScale="92500" lnSpcReduction="20000"/>
+          </a:bodyPr>
+          <a:lstStyle>
+            <a:lvl1pPr marL="228600" indent="-228600" algn="l" defTabSz="914400" rtl="0" eaLnBrk="1" latinLnBrk="0" hangingPunct="1">
+              <a:lnSpc>
+                <a:spcPct val="90000"/>
+              </a:lnSpc>
+              <a:spcBef>
+                <a:spcPts val="1000"/>
+              </a:spcBef>
+              <a:buFont typeface="Arial" panose="020B0604020202020204" pitchFamily="34" charset="0"/>
+              <a:buChar char="•"/>
+              <a:defRPr sz="2800" kern="1200">
+                <a:solidFill>
+                  <a:schemeClr val="tx1"/>
+                </a:solidFill>
+                <a:latin typeface="+mn-lt"/>
+                <a:ea typeface="+mn-ea"/>
+                <a:cs typeface="+mn-cs"/>
+              </a:defRPr>
+            </a:lvl1pPr>
+            <a:lvl2pPr marL="685800" indent="-228600" algn="l" defTabSz="914400" rtl="0" eaLnBrk="1" latinLnBrk="0" hangingPunct="1">
+              <a:lnSpc>
+                <a:spcPct val="90000"/>
+              </a:lnSpc>
+              <a:spcBef>
+                <a:spcPts val="500"/>
+              </a:spcBef>
+              <a:buFont typeface="Arial" panose="020B0604020202020204" pitchFamily="34" charset="0"/>
+              <a:buChar char="•"/>
+              <a:defRPr sz="2400" kern="1200">
+                <a:solidFill>
+                  <a:schemeClr val="tx1"/>
+                </a:solidFill>
+                <a:latin typeface="+mn-lt"/>
+                <a:ea typeface="+mn-ea"/>
+                <a:cs typeface="+mn-cs"/>
+              </a:defRPr>
+            </a:lvl2pPr>
+            <a:lvl3pPr marL="1143000" indent="-228600" algn="l" defTabSz="914400" rtl="0" eaLnBrk="1" latinLnBrk="0" hangingPunct="1">
+              <a:lnSpc>
+                <a:spcPct val="90000"/>
+              </a:lnSpc>
+              <a:spcBef>
+                <a:spcPts val="500"/>
+              </a:spcBef>
+              <a:buFont typeface="Arial" panose="020B0604020202020204" pitchFamily="34" charset="0"/>
+              <a:buChar char="•"/>
+              <a:defRPr sz="2000" kern="1200">
+                <a:solidFill>
+                  <a:schemeClr val="tx1"/>
+                </a:solidFill>
+                <a:latin typeface="+mn-lt"/>
+                <a:ea typeface="+mn-ea"/>
+                <a:cs typeface="+mn-cs"/>
+              </a:defRPr>
+            </a:lvl3pPr>
+            <a:lvl4pPr marL="1600200" indent="-228600" algn="l" defTabSz="914400" rtl="0" eaLnBrk="1" latinLnBrk="0" hangingPunct="1">
+              <a:lnSpc>
+                <a:spcPct val="90000"/>
+              </a:lnSpc>
+              <a:spcBef>
+                <a:spcPts val="500"/>
+              </a:spcBef>
+              <a:buFont typeface="Arial" panose="020B0604020202020204" pitchFamily="34" charset="0"/>
+              <a:buChar char="•"/>
+              <a:defRPr sz="1800" kern="1200">
+                <a:solidFill>
+                  <a:schemeClr val="tx1"/>
+                </a:solidFill>
+                <a:latin typeface="+mn-lt"/>
+                <a:ea typeface="+mn-ea"/>
+                <a:cs typeface="+mn-cs"/>
+              </a:defRPr>
+            </a:lvl4pPr>
+            <a:lvl5pPr marL="2057400" indent="-228600" algn="l" defTabSz="914400" rtl="0" eaLnBrk="1" latinLnBrk="0" hangingPunct="1">
+              <a:lnSpc>
+                <a:spcPct val="90000"/>
+              </a:lnSpc>
+              <a:spcBef>
+                <a:spcPts val="500"/>
+              </a:spcBef>
+              <a:buFont typeface="Arial" panose="020B0604020202020204" pitchFamily="34" charset="0"/>
+              <a:buChar char="•"/>
+              <a:defRPr sz="1800" kern="1200">
+                <a:solidFill>
+                  <a:schemeClr val="tx1"/>
+                </a:solidFill>
+                <a:latin typeface="+mn-lt"/>
+                <a:ea typeface="+mn-ea"/>
+                <a:cs typeface="+mn-cs"/>
+              </a:defRPr>
+            </a:lvl5pPr>
+            <a:lvl6pPr marL="2514600" indent="-228600" algn="l" defTabSz="914400" rtl="0" eaLnBrk="1" latinLnBrk="0" hangingPunct="1">
+              <a:lnSpc>
+                <a:spcPct val="90000"/>
+              </a:lnSpc>
+              <a:spcBef>
+                <a:spcPts val="500"/>
+              </a:spcBef>
+              <a:buFont typeface="Arial" panose="020B0604020202020204" pitchFamily="34" charset="0"/>
+              <a:buChar char="•"/>
+              <a:defRPr sz="1800" kern="1200">
+                <a:solidFill>
+                  <a:schemeClr val="tx1"/>
+                </a:solidFill>
+                <a:latin typeface="+mn-lt"/>
+                <a:ea typeface="+mn-ea"/>
+                <a:cs typeface="+mn-cs"/>
+              </a:defRPr>
+            </a:lvl6pPr>
+            <a:lvl7pPr marL="2971800" indent="-228600" algn="l" defTabSz="914400" rtl="0" eaLnBrk="1" latinLnBrk="0" hangingPunct="1">
+              <a:lnSpc>
+                <a:spcPct val="90000"/>
+              </a:lnSpc>
+              <a:spcBef>
+                <a:spcPts val="500"/>
+              </a:spcBef>
+              <a:buFont typeface="Arial" panose="020B0604020202020204" pitchFamily="34" charset="0"/>
+              <a:buChar char="•"/>
+              <a:defRPr sz="1800" kern="1200">
+                <a:solidFill>
+                  <a:schemeClr val="tx1"/>
+                </a:solidFill>
+                <a:latin typeface="+mn-lt"/>
+                <a:ea typeface="+mn-ea"/>
+                <a:cs typeface="+mn-cs"/>
+              </a:defRPr>
+            </a:lvl7pPr>
+            <a:lvl8pPr marL="3429000" indent="-228600" algn="l" defTabSz="914400" rtl="0" eaLnBrk="1" latinLnBrk="0" hangingPunct="1">
+              <a:lnSpc>
+                <a:spcPct val="90000"/>
+              </a:lnSpc>
+              <a:spcBef>
+                <a:spcPts val="500"/>
+              </a:spcBef>
+              <a:buFont typeface="Arial" panose="020B0604020202020204" pitchFamily="34" charset="0"/>
+              <a:buChar char="•"/>
+              <a:defRPr sz="1800" kern="1200">
+                <a:solidFill>
+                  <a:schemeClr val="tx1"/>
+                </a:solidFill>
+                <a:latin typeface="+mn-lt"/>
+                <a:ea typeface="+mn-ea"/>
+                <a:cs typeface="+mn-cs"/>
+              </a:defRPr>
+            </a:lvl8pPr>
+            <a:lvl9pPr marL="3886200" indent="-228600" algn="l" defTabSz="914400" rtl="0" eaLnBrk="1" latinLnBrk="0" hangingPunct="1">
+              <a:lnSpc>
+                <a:spcPct val="90000"/>
+              </a:lnSpc>
+              <a:spcBef>
+                <a:spcPts val="500"/>
+              </a:spcBef>
+              <a:buFont typeface="Arial" panose="020B0604020202020204" pitchFamily="34" charset="0"/>
+              <a:buChar char="•"/>
+              <a:defRPr sz="1800" kern="1200">
+                <a:solidFill>
+                  <a:schemeClr val="tx1"/>
+                </a:solidFill>
+                <a:latin typeface="+mn-lt"/>
+                <a:ea typeface="+mn-ea"/>
+                <a:cs typeface="+mn-cs"/>
+              </a:defRPr>
+            </a:lvl9pPr>
+          </a:lstStyle>
+          <a:p>
+            <a:pPr marL="0" indent="0">
+              <a:buNone/>
+            </a:pPr>
+            <a:r>
+              <a:rPr lang="en-US" sz="2400" b="1" dirty="0"/>
+              <a:t>4- El </a:t>
+            </a:r>
+            <a:r>
+              <a:rPr lang="en-US" sz="2400" b="1" dirty="0" err="1"/>
+              <a:t>siguiente</a:t>
+            </a:r>
+            <a:r>
+              <a:rPr lang="en-US" sz="2400" b="1" dirty="0"/>
+              <a:t> paso sera </a:t>
+            </a:r>
+            <a:r>
+              <a:rPr lang="en-US" sz="2400" b="1" dirty="0" err="1"/>
+              <a:t>pegar</a:t>
+            </a:r>
+            <a:r>
+              <a:rPr lang="en-US" sz="2400" b="1" dirty="0"/>
+              <a:t> la </a:t>
+            </a:r>
+            <a:r>
+              <a:rPr lang="en-US" sz="2400" b="1" dirty="0" err="1"/>
+              <a:t>siguiente</a:t>
+            </a:r>
+            <a:r>
+              <a:rPr lang="en-US" sz="2400" b="1" dirty="0"/>
+              <a:t> formula </a:t>
+            </a:r>
+            <a:r>
+              <a:rPr lang="en-US" sz="2400" b="1" dirty="0" err="1"/>
+              <a:t>en</a:t>
+            </a:r>
+            <a:r>
+              <a:rPr lang="en-US" sz="2400" b="1" dirty="0"/>
+              <a:t> el </a:t>
+            </a:r>
+            <a:r>
+              <a:rPr lang="en-US" sz="2400" b="1" dirty="0" err="1"/>
+              <a:t>edito</a:t>
+            </a:r>
+            <a:r>
+              <a:rPr lang="en-US" sz="2400" b="1" dirty="0"/>
+              <a:t> de </a:t>
+            </a:r>
+            <a:r>
+              <a:rPr lang="en-US" sz="2400" b="1" dirty="0" err="1"/>
+              <a:t>funciones</a:t>
+            </a:r>
+            <a:r>
+              <a:rPr lang="en-US" sz="2400" b="1" dirty="0"/>
+              <a:t>, con </a:t>
+            </a:r>
+            <a:r>
+              <a:rPr lang="en-US" sz="2400" b="1" dirty="0" err="1"/>
+              <a:t>esto</a:t>
+            </a:r>
+            <a:r>
+              <a:rPr lang="en-US" sz="2400" b="1" dirty="0"/>
+              <a:t> </a:t>
+            </a:r>
+            <a:r>
+              <a:rPr lang="en-US" sz="2400" b="1" dirty="0" err="1"/>
+              <a:t>generaremos</a:t>
+            </a:r>
+            <a:r>
+              <a:rPr lang="en-US" sz="2400" b="1" dirty="0"/>
+              <a:t> un </a:t>
+            </a:r>
+            <a:r>
+              <a:rPr lang="en-US" sz="2400" b="1" dirty="0" err="1"/>
+              <a:t>calendario</a:t>
+            </a:r>
+            <a:r>
+              <a:rPr lang="en-US" sz="2400" b="1" dirty="0"/>
+              <a:t> </a:t>
+            </a:r>
+            <a:r>
+              <a:rPr lang="en-US" sz="2400" b="1" dirty="0" err="1"/>
+              <a:t>automaticamente</a:t>
+            </a:r>
+            <a:r>
+              <a:rPr lang="en-US" sz="2400" b="1" dirty="0"/>
+              <a:t> </a:t>
+            </a:r>
+            <a:r>
+              <a:rPr lang="en-US" sz="2400" b="1" dirty="0" err="1"/>
+              <a:t>desde</a:t>
+            </a:r>
+            <a:r>
+              <a:rPr lang="en-US" sz="2400" b="1" dirty="0"/>
+              <a:t> la </a:t>
+            </a:r>
+            <a:r>
+              <a:rPr lang="en-US" sz="2400" b="1" dirty="0" err="1"/>
+              <a:t>fecha</a:t>
+            </a:r>
+            <a:r>
+              <a:rPr lang="en-US" sz="2400" b="1" dirty="0"/>
+              <a:t> [StartDate] hasta  [</a:t>
+            </a:r>
+            <a:r>
+              <a:rPr lang="en-US" sz="2400" b="1" dirty="0" err="1"/>
+              <a:t>EndDate</a:t>
+            </a:r>
+            <a:r>
+              <a:rPr lang="en-US" sz="2400" b="1" dirty="0"/>
+              <a:t>]</a:t>
+            </a:r>
+          </a:p>
+        </p:txBody>
+      </p:sp>
+      <p:sp>
+        <p:nvSpPr>
+          <p:cNvPr id="11" name="TextBox 10">
+            <a:extLst>
+              <a:ext uri="{FF2B5EF4-FFF2-40B4-BE49-F238E27FC236}">
+                <a16:creationId xmlns:a16="http://schemas.microsoft.com/office/drawing/2014/main" id="{41AD1C3A-BCBD-4C0A-9323-6CC2D6B33ADE}"/>
+              </a:ext>
+            </a:extLst>
+          </p:cNvPr>
+          <p:cNvSpPr txBox="1"/>
+          <p:nvPr/>
+        </p:nvSpPr>
+        <p:spPr>
+          <a:xfrm>
+            <a:off x="6096000" y="4491317"/>
+            <a:ext cx="4384376" cy="938719"/>
+          </a:xfrm>
+          <a:prstGeom prst="rect">
+            <a:avLst/>
+          </a:prstGeom>
+          <a:noFill/>
+        </p:spPr>
+        <p:txBody>
+          <a:bodyPr wrap="square">
+            <a:spAutoFit/>
+          </a:bodyPr>
+          <a:lstStyle/>
+          <a:p>
+            <a:r>
+              <a:rPr lang="fr-FR" sz="1100" b="1" dirty="0">
+                <a:solidFill>
+                  <a:srgbClr val="0070C0"/>
+                </a:solidFill>
+              </a:rPr>
+              <a:t>= </a:t>
+            </a:r>
+            <a:r>
+              <a:rPr lang="fr-FR" sz="1100" b="1" dirty="0" err="1">
+                <a:solidFill>
+                  <a:srgbClr val="0070C0"/>
+                </a:solidFill>
+              </a:rPr>
+              <a:t>List.Dates</a:t>
+            </a:r>
+            <a:r>
+              <a:rPr lang="fr-FR" sz="1100" b="1" dirty="0">
+                <a:solidFill>
+                  <a:srgbClr val="0070C0"/>
+                </a:solidFill>
+              </a:rPr>
+              <a:t>(</a:t>
+            </a:r>
+          </a:p>
+          <a:p>
+            <a:r>
+              <a:rPr lang="fr-FR" sz="1100" b="1" dirty="0">
+                <a:solidFill>
+                  <a:srgbClr val="0070C0"/>
+                </a:solidFill>
+              </a:rPr>
+              <a:t>    </a:t>
+            </a:r>
+            <a:r>
+              <a:rPr lang="fr-FR" sz="1100" b="1" dirty="0" err="1">
+                <a:solidFill>
+                  <a:srgbClr val="0070C0"/>
+                </a:solidFill>
+              </a:rPr>
+              <a:t>StartDate</a:t>
+            </a:r>
+            <a:r>
+              <a:rPr lang="fr-FR" sz="1100" b="1" dirty="0">
+                <a:solidFill>
+                  <a:srgbClr val="0070C0"/>
+                </a:solidFill>
+              </a:rPr>
+              <a:t>,</a:t>
+            </a:r>
+          </a:p>
+          <a:p>
+            <a:r>
+              <a:rPr lang="fr-FR" sz="1100" b="1" dirty="0">
+                <a:solidFill>
+                  <a:srgbClr val="0070C0"/>
+                </a:solidFill>
+              </a:rPr>
+              <a:t>    </a:t>
+            </a:r>
+            <a:r>
+              <a:rPr lang="fr-FR" sz="1100" b="1" dirty="0" err="1">
+                <a:solidFill>
+                  <a:srgbClr val="0070C0"/>
+                </a:solidFill>
+              </a:rPr>
+              <a:t>Duration.Days</a:t>
+            </a:r>
+            <a:r>
+              <a:rPr lang="fr-FR" sz="1100" b="1" dirty="0">
+                <a:solidFill>
+                  <a:srgbClr val="0070C0"/>
+                </a:solidFill>
+              </a:rPr>
+              <a:t>(</a:t>
+            </a:r>
+            <a:r>
+              <a:rPr lang="fr-FR" sz="1100" b="1" dirty="0" err="1">
+                <a:solidFill>
+                  <a:srgbClr val="0070C0"/>
+                </a:solidFill>
+              </a:rPr>
+              <a:t>EndDate</a:t>
+            </a:r>
+            <a:r>
+              <a:rPr lang="fr-FR" sz="1100" b="1" dirty="0">
+                <a:solidFill>
+                  <a:srgbClr val="0070C0"/>
+                </a:solidFill>
+              </a:rPr>
+              <a:t>- </a:t>
+            </a:r>
+            <a:r>
+              <a:rPr lang="fr-FR" sz="1100" b="1" dirty="0" err="1">
+                <a:solidFill>
+                  <a:srgbClr val="0070C0"/>
+                </a:solidFill>
+              </a:rPr>
+              <a:t>StartDate</a:t>
+            </a:r>
+            <a:r>
+              <a:rPr lang="fr-FR" sz="1100" b="1" dirty="0">
+                <a:solidFill>
+                  <a:srgbClr val="0070C0"/>
+                </a:solidFill>
+              </a:rPr>
+              <a:t>) +1,</a:t>
+            </a:r>
+          </a:p>
+          <a:p>
+            <a:r>
+              <a:rPr lang="fr-FR" sz="1100" b="1" dirty="0">
+                <a:solidFill>
+                  <a:srgbClr val="0070C0"/>
+                </a:solidFill>
+              </a:rPr>
+              <a:t>    #duration(1, 0, 0, 0)</a:t>
+            </a:r>
+          </a:p>
+          <a:p>
+            <a:r>
+              <a:rPr lang="fr-FR" sz="1100" b="1" dirty="0">
+                <a:solidFill>
+                  <a:srgbClr val="0070C0"/>
+                </a:solidFill>
+              </a:rPr>
+              <a:t>)</a:t>
+            </a:r>
+            <a:endParaRPr lang="en-US" sz="1100" b="1" dirty="0">
+              <a:solidFill>
+                <a:srgbClr val="0070C0"/>
+              </a:solidFill>
+            </a:endParaRPr>
+          </a:p>
+        </p:txBody>
+      </p:sp>
+      <p:pic>
+        <p:nvPicPr>
+          <p:cNvPr id="13" name="Picture 12">
+            <a:extLst>
+              <a:ext uri="{FF2B5EF4-FFF2-40B4-BE49-F238E27FC236}">
+                <a16:creationId xmlns:a16="http://schemas.microsoft.com/office/drawing/2014/main" id="{34A84872-1E0A-C659-399E-05E9B6594292}"/>
+              </a:ext>
+            </a:extLst>
+          </p:cNvPr>
+          <p:cNvPicPr>
+            <a:picLocks noChangeAspect="1"/>
+          </p:cNvPicPr>
+          <p:nvPr/>
+        </p:nvPicPr>
+        <p:blipFill>
+          <a:blip r:embed="rId3"/>
+          <a:stretch>
+            <a:fillRect/>
+          </a:stretch>
+        </p:blipFill>
+        <p:spPr>
+          <a:xfrm>
+            <a:off x="4539969" y="2357117"/>
+            <a:ext cx="7290345" cy="1841532"/>
+          </a:xfrm>
+          <a:prstGeom prst="rect">
+            <a:avLst/>
+          </a:prstGeom>
+        </p:spPr>
+      </p:pic>
+    </p:spTree>
+    <p:extLst>
+      <p:ext uri="{BB962C8B-B14F-4D97-AF65-F5344CB8AC3E}">
+        <p14:creationId xmlns:p14="http://schemas.microsoft.com/office/powerpoint/2010/main" val="4044118887"/>
+      </p:ext>
+    </p:extLst>
+  </p:cSld>
+  <p:clrMapOvr>
+    <a:masterClrMapping/>
+  </p:clrMapOvr>
+</p:sld>
+</file>
+
+<file path=ppt/slides/slide15.xml><?xml version="1.0" encoding="utf-8"?>
+<p:sld xmlns:a="http://schemas.openxmlformats.org/drawingml/2006/main" xmlns:r="http://schemas.openxmlformats.org/officeDocument/2006/relationships" xmlns:p="http://schemas.openxmlformats.org/presentationml/2006/main">
+  <p:cSld>
+    <p:spTree>
+      <p:nvGrpSpPr>
+        <p:cNvPr id="1" name="">
+          <a:extLst>
+            <a:ext uri="{FF2B5EF4-FFF2-40B4-BE49-F238E27FC236}">
+              <a16:creationId xmlns:a16="http://schemas.microsoft.com/office/drawing/2014/main" id="{92203ED4-64A0-5485-0492-65BD35350E46}"/>
+            </a:ext>
+          </a:extLst>
+        </p:cNvPr>
+        <p:cNvGrpSpPr/>
+        <p:nvPr/>
+      </p:nvGrpSpPr>
+      <p:grpSpPr>
+        <a:xfrm>
+          <a:off x="0" y="0"/>
+          <a:ext cx="0" cy="0"/>
+          <a:chOff x="0" y="0"/>
+          <a:chExt cx="0" cy="0"/>
+        </a:xfrm>
+      </p:grpSpPr>
+      <p:sp>
+        <p:nvSpPr>
+          <p:cNvPr id="8" name="Content Placeholder 2">
+            <a:extLst>
+              <a:ext uri="{FF2B5EF4-FFF2-40B4-BE49-F238E27FC236}">
+                <a16:creationId xmlns:a16="http://schemas.microsoft.com/office/drawing/2014/main" id="{C884E985-AEE4-0DFA-2BBF-6916E95EFFB5}"/>
+              </a:ext>
+            </a:extLst>
+          </p:cNvPr>
+          <p:cNvSpPr txBox="1">
+            <a:spLocks/>
+          </p:cNvSpPr>
+          <p:nvPr/>
+        </p:nvSpPr>
+        <p:spPr>
+          <a:xfrm>
+            <a:off x="218022" y="192169"/>
+            <a:ext cx="4811177" cy="1537854"/>
+          </a:xfrm>
+          <a:prstGeom prst="rect">
+            <a:avLst/>
+          </a:prstGeom>
+        </p:spPr>
+        <p:txBody>
+          <a:bodyPr vert="horz" lIns="91440" tIns="45720" rIns="91440" bIns="45720" rtlCol="0">
+            <a:normAutofit fontScale="92500" lnSpcReduction="10000"/>
+          </a:bodyPr>
+          <a:lstStyle>
+            <a:lvl1pPr marL="228600" indent="-228600" algn="l" defTabSz="914400" rtl="0" eaLnBrk="1" latinLnBrk="0" hangingPunct="1">
+              <a:lnSpc>
+                <a:spcPct val="90000"/>
+              </a:lnSpc>
+              <a:spcBef>
+                <a:spcPts val="1000"/>
+              </a:spcBef>
+              <a:buFont typeface="Arial" panose="020B0604020202020204" pitchFamily="34" charset="0"/>
+              <a:buChar char="•"/>
+              <a:defRPr sz="2800" kern="1200">
+                <a:solidFill>
+                  <a:schemeClr val="tx1"/>
+                </a:solidFill>
+                <a:latin typeface="+mn-lt"/>
+                <a:ea typeface="+mn-ea"/>
+                <a:cs typeface="+mn-cs"/>
+              </a:defRPr>
+            </a:lvl1pPr>
+            <a:lvl2pPr marL="685800" indent="-228600" algn="l" defTabSz="914400" rtl="0" eaLnBrk="1" latinLnBrk="0" hangingPunct="1">
+              <a:lnSpc>
+                <a:spcPct val="90000"/>
+              </a:lnSpc>
+              <a:spcBef>
+                <a:spcPts val="500"/>
+              </a:spcBef>
+              <a:buFont typeface="Arial" panose="020B0604020202020204" pitchFamily="34" charset="0"/>
+              <a:buChar char="•"/>
+              <a:defRPr sz="2400" kern="1200">
+                <a:solidFill>
+                  <a:schemeClr val="tx1"/>
+                </a:solidFill>
+                <a:latin typeface="+mn-lt"/>
+                <a:ea typeface="+mn-ea"/>
+                <a:cs typeface="+mn-cs"/>
+              </a:defRPr>
+            </a:lvl2pPr>
+            <a:lvl3pPr marL="1143000" indent="-228600" algn="l" defTabSz="914400" rtl="0" eaLnBrk="1" latinLnBrk="0" hangingPunct="1">
+              <a:lnSpc>
+                <a:spcPct val="90000"/>
+              </a:lnSpc>
+              <a:spcBef>
+                <a:spcPts val="500"/>
+              </a:spcBef>
+              <a:buFont typeface="Arial" panose="020B0604020202020204" pitchFamily="34" charset="0"/>
+              <a:buChar char="•"/>
+              <a:defRPr sz="2000" kern="1200">
+                <a:solidFill>
+                  <a:schemeClr val="tx1"/>
+                </a:solidFill>
+                <a:latin typeface="+mn-lt"/>
+                <a:ea typeface="+mn-ea"/>
+                <a:cs typeface="+mn-cs"/>
+              </a:defRPr>
+            </a:lvl3pPr>
+            <a:lvl4pPr marL="1600200" indent="-228600" algn="l" defTabSz="914400" rtl="0" eaLnBrk="1" latinLnBrk="0" hangingPunct="1">
+              <a:lnSpc>
+                <a:spcPct val="90000"/>
+              </a:lnSpc>
+              <a:spcBef>
+                <a:spcPts val="500"/>
+              </a:spcBef>
+              <a:buFont typeface="Arial" panose="020B0604020202020204" pitchFamily="34" charset="0"/>
+              <a:buChar char="•"/>
+              <a:defRPr sz="1800" kern="1200">
+                <a:solidFill>
+                  <a:schemeClr val="tx1"/>
+                </a:solidFill>
+                <a:latin typeface="+mn-lt"/>
+                <a:ea typeface="+mn-ea"/>
+                <a:cs typeface="+mn-cs"/>
+              </a:defRPr>
+            </a:lvl4pPr>
+            <a:lvl5pPr marL="2057400" indent="-228600" algn="l" defTabSz="914400" rtl="0" eaLnBrk="1" latinLnBrk="0" hangingPunct="1">
+              <a:lnSpc>
+                <a:spcPct val="90000"/>
+              </a:lnSpc>
+              <a:spcBef>
+                <a:spcPts val="500"/>
+              </a:spcBef>
+              <a:buFont typeface="Arial" panose="020B0604020202020204" pitchFamily="34" charset="0"/>
+              <a:buChar char="•"/>
+              <a:defRPr sz="1800" kern="1200">
+                <a:solidFill>
+                  <a:schemeClr val="tx1"/>
+                </a:solidFill>
+                <a:latin typeface="+mn-lt"/>
+                <a:ea typeface="+mn-ea"/>
+                <a:cs typeface="+mn-cs"/>
+              </a:defRPr>
+            </a:lvl5pPr>
+            <a:lvl6pPr marL="2514600" indent="-228600" algn="l" defTabSz="914400" rtl="0" eaLnBrk="1" latinLnBrk="0" hangingPunct="1">
+              <a:lnSpc>
+                <a:spcPct val="90000"/>
+              </a:lnSpc>
+              <a:spcBef>
+                <a:spcPts val="500"/>
+              </a:spcBef>
+              <a:buFont typeface="Arial" panose="020B0604020202020204" pitchFamily="34" charset="0"/>
+              <a:buChar char="•"/>
+              <a:defRPr sz="1800" kern="1200">
+                <a:solidFill>
+                  <a:schemeClr val="tx1"/>
+                </a:solidFill>
+                <a:latin typeface="+mn-lt"/>
+                <a:ea typeface="+mn-ea"/>
+                <a:cs typeface="+mn-cs"/>
+              </a:defRPr>
+            </a:lvl6pPr>
+            <a:lvl7pPr marL="2971800" indent="-228600" algn="l" defTabSz="914400" rtl="0" eaLnBrk="1" latinLnBrk="0" hangingPunct="1">
+              <a:lnSpc>
+                <a:spcPct val="90000"/>
+              </a:lnSpc>
+              <a:spcBef>
+                <a:spcPts val="500"/>
+              </a:spcBef>
+              <a:buFont typeface="Arial" panose="020B0604020202020204" pitchFamily="34" charset="0"/>
+              <a:buChar char="•"/>
+              <a:defRPr sz="1800" kern="1200">
+                <a:solidFill>
+                  <a:schemeClr val="tx1"/>
+                </a:solidFill>
+                <a:latin typeface="+mn-lt"/>
+                <a:ea typeface="+mn-ea"/>
+                <a:cs typeface="+mn-cs"/>
+              </a:defRPr>
+            </a:lvl7pPr>
+            <a:lvl8pPr marL="3429000" indent="-228600" algn="l" defTabSz="914400" rtl="0" eaLnBrk="1" latinLnBrk="0" hangingPunct="1">
+              <a:lnSpc>
+                <a:spcPct val="90000"/>
+              </a:lnSpc>
+              <a:spcBef>
+                <a:spcPts val="500"/>
+              </a:spcBef>
+              <a:buFont typeface="Arial" panose="020B0604020202020204" pitchFamily="34" charset="0"/>
+              <a:buChar char="•"/>
+              <a:defRPr sz="1800" kern="1200">
+                <a:solidFill>
+                  <a:schemeClr val="tx1"/>
+                </a:solidFill>
+                <a:latin typeface="+mn-lt"/>
+                <a:ea typeface="+mn-ea"/>
+                <a:cs typeface="+mn-cs"/>
+              </a:defRPr>
+            </a:lvl8pPr>
+            <a:lvl9pPr marL="3886200" indent="-228600" algn="l" defTabSz="914400" rtl="0" eaLnBrk="1" latinLnBrk="0" hangingPunct="1">
+              <a:lnSpc>
+                <a:spcPct val="90000"/>
+              </a:lnSpc>
+              <a:spcBef>
+                <a:spcPts val="500"/>
+              </a:spcBef>
+              <a:buFont typeface="Arial" panose="020B0604020202020204" pitchFamily="34" charset="0"/>
+              <a:buChar char="•"/>
+              <a:defRPr sz="1800" kern="1200">
+                <a:solidFill>
+                  <a:schemeClr val="tx1"/>
+                </a:solidFill>
+                <a:latin typeface="+mn-lt"/>
+                <a:ea typeface="+mn-ea"/>
+                <a:cs typeface="+mn-cs"/>
+              </a:defRPr>
+            </a:lvl9pPr>
+          </a:lstStyle>
+          <a:p>
+            <a:pPr marL="0" indent="0">
+              <a:buNone/>
+            </a:pPr>
+            <a:r>
+              <a:rPr lang="en-US" sz="2400" b="1" dirty="0"/>
+              <a:t>5- La Segunda </a:t>
+            </a:r>
+            <a:r>
+              <a:rPr lang="en-US" sz="2400" b="1" dirty="0" err="1"/>
+              <a:t>opcion</a:t>
+            </a:r>
+            <a:r>
+              <a:rPr lang="en-US" sz="2400" b="1" dirty="0"/>
+              <a:t> es un </a:t>
+            </a:r>
+            <a:r>
+              <a:rPr lang="en-US" sz="2400" b="1" dirty="0" err="1"/>
+              <a:t>calendario</a:t>
+            </a:r>
+            <a:r>
+              <a:rPr lang="en-US" sz="2400" b="1" dirty="0"/>
+              <a:t> </a:t>
+            </a:r>
+            <a:r>
+              <a:rPr lang="en-US" sz="2400" b="1" dirty="0" err="1"/>
+              <a:t>dinamico</a:t>
+            </a:r>
+            <a:r>
+              <a:rPr lang="en-US" sz="2400" b="1" dirty="0"/>
+              <a:t> con el </a:t>
+            </a:r>
+            <a:r>
+              <a:rPr lang="en-US" sz="2400" b="1" dirty="0" err="1"/>
+              <a:t>siguiente</a:t>
+            </a:r>
+            <a:r>
+              <a:rPr lang="en-US" sz="2400" b="1" dirty="0"/>
+              <a:t> </a:t>
+            </a:r>
+            <a:r>
+              <a:rPr lang="en-US" sz="2400" b="1" dirty="0" err="1"/>
+              <a:t>codigo</a:t>
+            </a:r>
+            <a:r>
+              <a:rPr lang="en-US" sz="2400" b="1" dirty="0"/>
+              <a:t> que </a:t>
+            </a:r>
+            <a:r>
+              <a:rPr lang="en-US" sz="2400" b="1" dirty="0" err="1"/>
+              <a:t>cada</a:t>
+            </a:r>
+            <a:r>
+              <a:rPr lang="en-US" sz="2400" b="1" dirty="0"/>
+              <a:t> que se </a:t>
+            </a:r>
+            <a:r>
+              <a:rPr lang="en-US" sz="2400" b="1" dirty="0" err="1"/>
+              <a:t>actualiza</a:t>
+            </a:r>
+            <a:r>
+              <a:rPr lang="en-US" sz="2400" b="1" dirty="0"/>
+              <a:t> </a:t>
+            </a:r>
+            <a:r>
+              <a:rPr lang="en-US" sz="2400" b="1" dirty="0" err="1"/>
+              <a:t>agrega</a:t>
+            </a:r>
+            <a:r>
+              <a:rPr lang="en-US" sz="2400" b="1" dirty="0"/>
+              <a:t> las </a:t>
+            </a:r>
+            <a:r>
+              <a:rPr lang="en-US" sz="2400" b="1" dirty="0" err="1"/>
+              <a:t>fechas</a:t>
+            </a:r>
+            <a:r>
+              <a:rPr lang="en-US" sz="2400" b="1" dirty="0"/>
+              <a:t> hasta el dia actual</a:t>
+            </a:r>
+          </a:p>
+        </p:txBody>
+      </p:sp>
+      <p:sp>
+        <p:nvSpPr>
+          <p:cNvPr id="9" name="Content Placeholder 2">
+            <a:extLst>
+              <a:ext uri="{FF2B5EF4-FFF2-40B4-BE49-F238E27FC236}">
+                <a16:creationId xmlns:a16="http://schemas.microsoft.com/office/drawing/2014/main" id="{AB71E5E4-8BD5-97FD-346C-2C2F79744FD4}"/>
+              </a:ext>
+            </a:extLst>
+          </p:cNvPr>
+          <p:cNvSpPr txBox="1">
+            <a:spLocks/>
+          </p:cNvSpPr>
+          <p:nvPr/>
+        </p:nvSpPr>
+        <p:spPr>
+          <a:xfrm>
+            <a:off x="5992181" y="442335"/>
+            <a:ext cx="5218377" cy="1287688"/>
+          </a:xfrm>
+          <a:prstGeom prst="rect">
+            <a:avLst/>
+          </a:prstGeom>
+        </p:spPr>
+        <p:txBody>
+          <a:bodyPr vert="horz" lIns="91440" tIns="45720" rIns="91440" bIns="45720" rtlCol="0">
+            <a:normAutofit lnSpcReduction="10000"/>
+          </a:bodyPr>
+          <a:lstStyle>
+            <a:lvl1pPr marL="228600" indent="-228600" algn="l" defTabSz="914400" rtl="0" eaLnBrk="1" latinLnBrk="0" hangingPunct="1">
+              <a:lnSpc>
+                <a:spcPct val="90000"/>
+              </a:lnSpc>
+              <a:spcBef>
+                <a:spcPts val="1000"/>
+              </a:spcBef>
+              <a:buFont typeface="Arial" panose="020B0604020202020204" pitchFamily="34" charset="0"/>
+              <a:buChar char="•"/>
+              <a:defRPr sz="2800" kern="1200">
+                <a:solidFill>
+                  <a:schemeClr val="tx1"/>
+                </a:solidFill>
+                <a:latin typeface="+mn-lt"/>
+                <a:ea typeface="+mn-ea"/>
+                <a:cs typeface="+mn-cs"/>
+              </a:defRPr>
+            </a:lvl1pPr>
+            <a:lvl2pPr marL="685800" indent="-228600" algn="l" defTabSz="914400" rtl="0" eaLnBrk="1" latinLnBrk="0" hangingPunct="1">
+              <a:lnSpc>
+                <a:spcPct val="90000"/>
+              </a:lnSpc>
+              <a:spcBef>
+                <a:spcPts val="500"/>
+              </a:spcBef>
+              <a:buFont typeface="Arial" panose="020B0604020202020204" pitchFamily="34" charset="0"/>
+              <a:buChar char="•"/>
+              <a:defRPr sz="2400" kern="1200">
+                <a:solidFill>
+                  <a:schemeClr val="tx1"/>
+                </a:solidFill>
+                <a:latin typeface="+mn-lt"/>
+                <a:ea typeface="+mn-ea"/>
+                <a:cs typeface="+mn-cs"/>
+              </a:defRPr>
+            </a:lvl2pPr>
+            <a:lvl3pPr marL="1143000" indent="-228600" algn="l" defTabSz="914400" rtl="0" eaLnBrk="1" latinLnBrk="0" hangingPunct="1">
+              <a:lnSpc>
+                <a:spcPct val="90000"/>
+              </a:lnSpc>
+              <a:spcBef>
+                <a:spcPts val="500"/>
+              </a:spcBef>
+              <a:buFont typeface="Arial" panose="020B0604020202020204" pitchFamily="34" charset="0"/>
+              <a:buChar char="•"/>
+              <a:defRPr sz="2000" kern="1200">
+                <a:solidFill>
+                  <a:schemeClr val="tx1"/>
+                </a:solidFill>
+                <a:latin typeface="+mn-lt"/>
+                <a:ea typeface="+mn-ea"/>
+                <a:cs typeface="+mn-cs"/>
+              </a:defRPr>
+            </a:lvl3pPr>
+            <a:lvl4pPr marL="1600200" indent="-228600" algn="l" defTabSz="914400" rtl="0" eaLnBrk="1" latinLnBrk="0" hangingPunct="1">
+              <a:lnSpc>
+                <a:spcPct val="90000"/>
+              </a:lnSpc>
+              <a:spcBef>
+                <a:spcPts val="500"/>
+              </a:spcBef>
+              <a:buFont typeface="Arial" panose="020B0604020202020204" pitchFamily="34" charset="0"/>
+              <a:buChar char="•"/>
+              <a:defRPr sz="1800" kern="1200">
+                <a:solidFill>
+                  <a:schemeClr val="tx1"/>
+                </a:solidFill>
+                <a:latin typeface="+mn-lt"/>
+                <a:ea typeface="+mn-ea"/>
+                <a:cs typeface="+mn-cs"/>
+              </a:defRPr>
+            </a:lvl4pPr>
+            <a:lvl5pPr marL="2057400" indent="-228600" algn="l" defTabSz="914400" rtl="0" eaLnBrk="1" latinLnBrk="0" hangingPunct="1">
+              <a:lnSpc>
+                <a:spcPct val="90000"/>
+              </a:lnSpc>
+              <a:spcBef>
+                <a:spcPts val="500"/>
+              </a:spcBef>
+              <a:buFont typeface="Arial" panose="020B0604020202020204" pitchFamily="34" charset="0"/>
+              <a:buChar char="•"/>
+              <a:defRPr sz="1800" kern="1200">
+                <a:solidFill>
+                  <a:schemeClr val="tx1"/>
+                </a:solidFill>
+                <a:latin typeface="+mn-lt"/>
+                <a:ea typeface="+mn-ea"/>
+                <a:cs typeface="+mn-cs"/>
+              </a:defRPr>
+            </a:lvl5pPr>
+            <a:lvl6pPr marL="2514600" indent="-228600" algn="l" defTabSz="914400" rtl="0" eaLnBrk="1" latinLnBrk="0" hangingPunct="1">
+              <a:lnSpc>
+                <a:spcPct val="90000"/>
+              </a:lnSpc>
+              <a:spcBef>
+                <a:spcPts val="500"/>
+              </a:spcBef>
+              <a:buFont typeface="Arial" panose="020B0604020202020204" pitchFamily="34" charset="0"/>
+              <a:buChar char="•"/>
+              <a:defRPr sz="1800" kern="1200">
+                <a:solidFill>
+                  <a:schemeClr val="tx1"/>
+                </a:solidFill>
+                <a:latin typeface="+mn-lt"/>
+                <a:ea typeface="+mn-ea"/>
+                <a:cs typeface="+mn-cs"/>
+              </a:defRPr>
+            </a:lvl6pPr>
+            <a:lvl7pPr marL="2971800" indent="-228600" algn="l" defTabSz="914400" rtl="0" eaLnBrk="1" latinLnBrk="0" hangingPunct="1">
+              <a:lnSpc>
+                <a:spcPct val="90000"/>
+              </a:lnSpc>
+              <a:spcBef>
+                <a:spcPts val="500"/>
+              </a:spcBef>
+              <a:buFont typeface="Arial" panose="020B0604020202020204" pitchFamily="34" charset="0"/>
+              <a:buChar char="•"/>
+              <a:defRPr sz="1800" kern="1200">
+                <a:solidFill>
+                  <a:schemeClr val="tx1"/>
+                </a:solidFill>
+                <a:latin typeface="+mn-lt"/>
+                <a:ea typeface="+mn-ea"/>
+                <a:cs typeface="+mn-cs"/>
+              </a:defRPr>
+            </a:lvl7pPr>
+            <a:lvl8pPr marL="3429000" indent="-228600" algn="l" defTabSz="914400" rtl="0" eaLnBrk="1" latinLnBrk="0" hangingPunct="1">
+              <a:lnSpc>
+                <a:spcPct val="90000"/>
+              </a:lnSpc>
+              <a:spcBef>
+                <a:spcPts val="500"/>
+              </a:spcBef>
+              <a:buFont typeface="Arial" panose="020B0604020202020204" pitchFamily="34" charset="0"/>
+              <a:buChar char="•"/>
+              <a:defRPr sz="1800" kern="1200">
+                <a:solidFill>
+                  <a:schemeClr val="tx1"/>
+                </a:solidFill>
+                <a:latin typeface="+mn-lt"/>
+                <a:ea typeface="+mn-ea"/>
+                <a:cs typeface="+mn-cs"/>
+              </a:defRPr>
+            </a:lvl8pPr>
+            <a:lvl9pPr marL="3886200" indent="-228600" algn="l" defTabSz="914400" rtl="0" eaLnBrk="1" latinLnBrk="0" hangingPunct="1">
+              <a:lnSpc>
+                <a:spcPct val="90000"/>
+              </a:lnSpc>
+              <a:spcBef>
+                <a:spcPts val="500"/>
+              </a:spcBef>
+              <a:buFont typeface="Arial" panose="020B0604020202020204" pitchFamily="34" charset="0"/>
+              <a:buChar char="•"/>
+              <a:defRPr sz="1800" kern="1200">
+                <a:solidFill>
+                  <a:schemeClr val="tx1"/>
+                </a:solidFill>
+                <a:latin typeface="+mn-lt"/>
+                <a:ea typeface="+mn-ea"/>
+                <a:cs typeface="+mn-cs"/>
+              </a:defRPr>
+            </a:lvl9pPr>
+          </a:lstStyle>
+          <a:p>
+            <a:pPr marL="0" indent="0">
+              <a:buNone/>
+            </a:pPr>
+            <a:r>
+              <a:rPr lang="en-US" sz="2400" b="1" dirty="0"/>
+              <a:t>6- al </a:t>
+            </a:r>
+            <a:r>
+              <a:rPr lang="en-US" sz="2400" b="1" dirty="0" err="1"/>
+              <a:t>una</a:t>
+            </a:r>
+            <a:r>
+              <a:rPr lang="en-US" sz="2400" b="1" dirty="0"/>
+              <a:t> </a:t>
+            </a:r>
+            <a:r>
+              <a:rPr lang="en-US" sz="2400" b="1" dirty="0" err="1"/>
+              <a:t>vez</a:t>
+            </a:r>
+            <a:r>
+              <a:rPr lang="en-US" sz="2400" b="1" dirty="0"/>
+              <a:t> </a:t>
+            </a:r>
+            <a:r>
+              <a:rPr lang="en-US" sz="2400" b="1" dirty="0" err="1"/>
+              <a:t>generado</a:t>
+            </a:r>
+            <a:r>
+              <a:rPr lang="en-US" sz="2400" b="1" dirty="0"/>
+              <a:t> el </a:t>
+            </a:r>
+            <a:r>
+              <a:rPr lang="en-US" sz="2400" b="1" dirty="0" err="1"/>
+              <a:t>calendario</a:t>
+            </a:r>
+            <a:r>
+              <a:rPr lang="en-US" sz="2400" b="1" dirty="0"/>
+              <a:t>, </a:t>
+            </a:r>
+            <a:r>
+              <a:rPr lang="en-US" sz="2400" b="1" dirty="0" err="1"/>
+              <a:t>convertiremos</a:t>
+            </a:r>
+            <a:r>
+              <a:rPr lang="en-US" sz="2400" b="1" dirty="0"/>
+              <a:t> la </a:t>
+            </a:r>
+            <a:r>
+              <a:rPr lang="en-US" sz="2400" b="1" dirty="0" err="1"/>
+              <a:t>lista</a:t>
+            </a:r>
+            <a:r>
+              <a:rPr lang="en-US" sz="2400" b="1" dirty="0"/>
+              <a:t> a modo table para </a:t>
+            </a:r>
+            <a:r>
+              <a:rPr lang="en-US" sz="2400" b="1" dirty="0" err="1"/>
+              <a:t>poder</a:t>
+            </a:r>
+            <a:r>
+              <a:rPr lang="en-US" sz="2400" b="1" dirty="0"/>
+              <a:t> </a:t>
+            </a:r>
+            <a:r>
+              <a:rPr lang="en-US" sz="2400" b="1" dirty="0" err="1"/>
+              <a:t>hacer</a:t>
+            </a:r>
+            <a:r>
+              <a:rPr lang="en-US" sz="2400" b="1" dirty="0"/>
+              <a:t> </a:t>
+            </a:r>
+            <a:r>
+              <a:rPr lang="en-US" sz="2400" b="1" dirty="0" err="1"/>
+              <a:t>uso</a:t>
+            </a:r>
+            <a:r>
+              <a:rPr lang="en-US" sz="2400" b="1" dirty="0"/>
+              <a:t> de las </a:t>
+            </a:r>
+            <a:r>
+              <a:rPr lang="en-US" sz="2400" b="1" dirty="0" err="1"/>
+              <a:t>funciones</a:t>
+            </a:r>
+            <a:r>
+              <a:rPr lang="en-US" sz="2400" b="1" dirty="0"/>
+              <a:t> de </a:t>
+            </a:r>
+            <a:r>
+              <a:rPr lang="en-US" sz="2400" b="1" dirty="0" err="1"/>
+              <a:t>fechas</a:t>
+            </a:r>
+            <a:r>
+              <a:rPr lang="en-US" sz="2400" b="1" dirty="0"/>
+              <a:t> </a:t>
+            </a:r>
+          </a:p>
+        </p:txBody>
+      </p:sp>
+      <p:sp>
+        <p:nvSpPr>
+          <p:cNvPr id="11" name="TextBox 10">
+            <a:extLst>
+              <a:ext uri="{FF2B5EF4-FFF2-40B4-BE49-F238E27FC236}">
+                <a16:creationId xmlns:a16="http://schemas.microsoft.com/office/drawing/2014/main" id="{E3FBB661-72C2-800B-CE6A-4C167AA1447F}"/>
+              </a:ext>
+            </a:extLst>
+          </p:cNvPr>
+          <p:cNvSpPr txBox="1"/>
+          <p:nvPr/>
+        </p:nvSpPr>
+        <p:spPr>
+          <a:xfrm>
+            <a:off x="218023" y="1921228"/>
+            <a:ext cx="4384376" cy="1107996"/>
+          </a:xfrm>
+          <a:prstGeom prst="rect">
+            <a:avLst/>
+          </a:prstGeom>
+          <a:noFill/>
+        </p:spPr>
+        <p:txBody>
+          <a:bodyPr wrap="square">
+            <a:spAutoFit/>
+          </a:bodyPr>
+          <a:lstStyle/>
+          <a:p>
+            <a:r>
+              <a:rPr lang="fr-FR" sz="1100" b="1" dirty="0">
+                <a:solidFill>
+                  <a:srgbClr val="0070C0"/>
+                </a:solidFill>
+              </a:rPr>
+              <a:t>= </a:t>
+            </a:r>
+            <a:r>
+              <a:rPr lang="fr-FR" sz="1100" b="1" dirty="0" err="1">
+                <a:solidFill>
+                  <a:srgbClr val="0070C0"/>
+                </a:solidFill>
+              </a:rPr>
+              <a:t>List.Dates</a:t>
+            </a:r>
+            <a:r>
+              <a:rPr lang="fr-FR" sz="1100" b="1" dirty="0">
+                <a:solidFill>
+                  <a:srgbClr val="0070C0"/>
+                </a:solidFill>
+              </a:rPr>
+              <a:t>(</a:t>
+            </a:r>
+          </a:p>
+          <a:p>
+            <a:r>
+              <a:rPr lang="fr-FR" sz="1100" b="1" dirty="0">
+                <a:solidFill>
+                  <a:srgbClr val="0070C0"/>
+                </a:solidFill>
+              </a:rPr>
+              <a:t>    </a:t>
+            </a:r>
+            <a:r>
+              <a:rPr lang="fr-FR" sz="1100" b="1" dirty="0" err="1">
+                <a:solidFill>
+                  <a:srgbClr val="0070C0"/>
+                </a:solidFill>
+              </a:rPr>
+              <a:t>StartDate</a:t>
+            </a:r>
+            <a:r>
+              <a:rPr lang="fr-FR" sz="1100" b="1" dirty="0">
+                <a:solidFill>
+                  <a:srgbClr val="0070C0"/>
+                </a:solidFill>
+              </a:rPr>
+              <a:t>,</a:t>
+            </a:r>
+          </a:p>
+          <a:p>
+            <a:r>
+              <a:rPr lang="fr-FR" sz="1100" b="1" dirty="0">
+                <a:solidFill>
+                  <a:srgbClr val="0070C0"/>
+                </a:solidFill>
+              </a:rPr>
+              <a:t>    </a:t>
+            </a:r>
+            <a:r>
+              <a:rPr lang="fr-FR" sz="1100" b="1" dirty="0" err="1">
+                <a:solidFill>
+                  <a:srgbClr val="0070C0"/>
+                </a:solidFill>
+              </a:rPr>
+              <a:t>Duration.Days</a:t>
+            </a:r>
+            <a:r>
+              <a:rPr lang="fr-FR" sz="1100" b="1" dirty="0">
+                <a:solidFill>
+                  <a:srgbClr val="0070C0"/>
+                </a:solidFill>
+              </a:rPr>
+              <a:t>(</a:t>
+            </a:r>
+            <a:r>
+              <a:rPr lang="fr-FR" sz="1100" b="1" dirty="0" err="1">
+                <a:solidFill>
+                  <a:srgbClr val="0070C0"/>
+                </a:solidFill>
+              </a:rPr>
+              <a:t>Date.From</a:t>
+            </a:r>
+            <a:r>
+              <a:rPr lang="fr-FR" sz="1100" b="1" dirty="0">
+                <a:solidFill>
+                  <a:srgbClr val="0070C0"/>
+                </a:solidFill>
+              </a:rPr>
+              <a:t>( </a:t>
+            </a:r>
+            <a:r>
+              <a:rPr lang="fr-FR" sz="1100" b="1" dirty="0" err="1">
+                <a:solidFill>
+                  <a:srgbClr val="0070C0"/>
+                </a:solidFill>
+              </a:rPr>
+              <a:t>DateTime.LocalNow</a:t>
+            </a:r>
+            <a:r>
+              <a:rPr lang="fr-FR" sz="1100" b="1" dirty="0">
+                <a:solidFill>
+                  <a:srgbClr val="0070C0"/>
+                </a:solidFill>
+              </a:rPr>
+              <a:t>()) - </a:t>
+            </a:r>
+            <a:r>
+              <a:rPr lang="fr-FR" sz="1100" b="1" dirty="0" err="1">
+                <a:solidFill>
+                  <a:srgbClr val="0070C0"/>
+                </a:solidFill>
+              </a:rPr>
+              <a:t>StartDate</a:t>
+            </a:r>
+            <a:r>
+              <a:rPr lang="fr-FR" sz="1100" b="1" dirty="0">
+                <a:solidFill>
+                  <a:srgbClr val="0070C0"/>
+                </a:solidFill>
+              </a:rPr>
+              <a:t>) +1,</a:t>
+            </a:r>
+          </a:p>
+          <a:p>
+            <a:r>
+              <a:rPr lang="fr-FR" sz="1100" b="1" dirty="0">
+                <a:solidFill>
+                  <a:srgbClr val="0070C0"/>
+                </a:solidFill>
+              </a:rPr>
+              <a:t>    #duration(1, 0, 0, 0)</a:t>
+            </a:r>
+          </a:p>
+          <a:p>
+            <a:r>
+              <a:rPr lang="fr-FR" sz="1100" b="1" dirty="0">
+                <a:solidFill>
+                  <a:srgbClr val="0070C0"/>
+                </a:solidFill>
+              </a:rPr>
+              <a:t>)</a:t>
+            </a:r>
+            <a:endParaRPr lang="en-US" sz="1100" b="1" dirty="0">
+              <a:solidFill>
+                <a:srgbClr val="0070C0"/>
+              </a:solidFill>
+            </a:endParaRPr>
+          </a:p>
+        </p:txBody>
+      </p:sp>
+      <p:pic>
+        <p:nvPicPr>
+          <p:cNvPr id="3" name="Picture 2">
+            <a:extLst>
+              <a:ext uri="{FF2B5EF4-FFF2-40B4-BE49-F238E27FC236}">
+                <a16:creationId xmlns:a16="http://schemas.microsoft.com/office/drawing/2014/main" id="{E2C82F70-D082-956D-073B-FE7939D89A73}"/>
+              </a:ext>
+            </a:extLst>
+          </p:cNvPr>
+          <p:cNvPicPr>
+            <a:picLocks noChangeAspect="1"/>
+          </p:cNvPicPr>
+          <p:nvPr/>
+        </p:nvPicPr>
+        <p:blipFill>
+          <a:blip r:embed="rId2"/>
+          <a:srcRect r="29560"/>
+          <a:stretch/>
+        </p:blipFill>
+        <p:spPr>
+          <a:xfrm>
+            <a:off x="120769" y="3429000"/>
+            <a:ext cx="5322500" cy="1572856"/>
+          </a:xfrm>
+          <a:prstGeom prst="rect">
+            <a:avLst/>
+          </a:prstGeom>
+        </p:spPr>
+      </p:pic>
+      <p:pic>
+        <p:nvPicPr>
+          <p:cNvPr id="10" name="Picture 9">
+            <a:extLst>
+              <a:ext uri="{FF2B5EF4-FFF2-40B4-BE49-F238E27FC236}">
+                <a16:creationId xmlns:a16="http://schemas.microsoft.com/office/drawing/2014/main" id="{4BCFB476-29BD-583F-5AD0-4C6FB7D1180C}"/>
+              </a:ext>
+            </a:extLst>
+          </p:cNvPr>
+          <p:cNvPicPr>
+            <a:picLocks noChangeAspect="1"/>
+          </p:cNvPicPr>
+          <p:nvPr/>
+        </p:nvPicPr>
+        <p:blipFill>
+          <a:blip r:embed="rId3"/>
+          <a:stretch>
+            <a:fillRect/>
+          </a:stretch>
+        </p:blipFill>
+        <p:spPr>
+          <a:xfrm>
+            <a:off x="6551395" y="1730023"/>
+            <a:ext cx="5027433" cy="3026359"/>
+          </a:xfrm>
+          <a:prstGeom prst="rect">
+            <a:avLst/>
+          </a:prstGeom>
+        </p:spPr>
+      </p:pic>
+      <p:sp>
+        <p:nvSpPr>
+          <p:cNvPr id="12" name="Rectangle 11">
+            <a:extLst>
+              <a:ext uri="{FF2B5EF4-FFF2-40B4-BE49-F238E27FC236}">
+                <a16:creationId xmlns:a16="http://schemas.microsoft.com/office/drawing/2014/main" id="{2D62D204-EABF-A33B-0585-56FAF8944E96}"/>
+              </a:ext>
+            </a:extLst>
+          </p:cNvPr>
+          <p:cNvSpPr/>
+          <p:nvPr/>
+        </p:nvSpPr>
+        <p:spPr>
+          <a:xfrm>
+            <a:off x="9747696" y="1623376"/>
+            <a:ext cx="647133" cy="412458"/>
+          </a:xfrm>
+          <a:prstGeom prst="rect">
+            <a:avLst/>
+          </a:prstGeom>
+          <a:noFill/>
+          <a:ln w="28575">
+            <a:solidFill>
+              <a:srgbClr val="FF0000"/>
+            </a:solidFill>
+          </a:ln>
+        </p:spPr>
+        <p:style>
+          <a:lnRef idx="2">
+            <a:schemeClr val="accent1">
+              <a:shade val="15000"/>
+            </a:schemeClr>
+          </a:lnRef>
+          <a:fillRef idx="1">
+            <a:schemeClr val="accent1"/>
+          </a:fillRef>
+          <a:effectRef idx="0">
+            <a:schemeClr val="accent1"/>
+          </a:effectRef>
+          <a:fontRef idx="minor">
+            <a:schemeClr val="lt1"/>
+          </a:fontRef>
+        </p:style>
+        <p:txBody>
+          <a:bodyPr rtlCol="0" anchor="ctr"/>
+          <a:lstStyle/>
+          <a:p>
+            <a:pPr algn="ctr"/>
+            <a:endParaRPr lang="en-US"/>
+          </a:p>
+        </p:txBody>
+      </p:sp>
+      <p:sp>
+        <p:nvSpPr>
+          <p:cNvPr id="14" name="Rectangle 13">
+            <a:extLst>
+              <a:ext uri="{FF2B5EF4-FFF2-40B4-BE49-F238E27FC236}">
+                <a16:creationId xmlns:a16="http://schemas.microsoft.com/office/drawing/2014/main" id="{FF4B92F3-80B2-2BAA-289E-AF008358376B}"/>
+              </a:ext>
+            </a:extLst>
+          </p:cNvPr>
+          <p:cNvSpPr/>
+          <p:nvPr/>
+        </p:nvSpPr>
+        <p:spPr>
+          <a:xfrm>
+            <a:off x="6551395" y="2035834"/>
+            <a:ext cx="513348" cy="595704"/>
+          </a:xfrm>
+          <a:prstGeom prst="rect">
+            <a:avLst/>
+          </a:prstGeom>
+          <a:noFill/>
+          <a:ln w="28575">
+            <a:solidFill>
+              <a:srgbClr val="FF0000"/>
+            </a:solidFill>
+          </a:ln>
+        </p:spPr>
+        <p:style>
+          <a:lnRef idx="2">
+            <a:schemeClr val="accent1">
+              <a:shade val="15000"/>
+            </a:schemeClr>
+          </a:lnRef>
+          <a:fillRef idx="1">
+            <a:schemeClr val="accent1"/>
+          </a:fillRef>
+          <a:effectRef idx="0">
+            <a:schemeClr val="accent1"/>
+          </a:effectRef>
+          <a:fontRef idx="minor">
+            <a:schemeClr val="lt1"/>
+          </a:fontRef>
+        </p:style>
+        <p:txBody>
+          <a:bodyPr rtlCol="0" anchor="ctr"/>
+          <a:lstStyle/>
+          <a:p>
+            <a:pPr algn="ctr"/>
+            <a:endParaRPr lang="en-US"/>
+          </a:p>
+        </p:txBody>
+      </p:sp>
+      <p:sp>
+        <p:nvSpPr>
+          <p:cNvPr id="15" name="Rectangle 14">
+            <a:extLst>
+              <a:ext uri="{FF2B5EF4-FFF2-40B4-BE49-F238E27FC236}">
+                <a16:creationId xmlns:a16="http://schemas.microsoft.com/office/drawing/2014/main" id="{5144ED4B-DE48-881A-B415-98CEB5B7B130}"/>
+              </a:ext>
+            </a:extLst>
+          </p:cNvPr>
+          <p:cNvSpPr/>
+          <p:nvPr/>
+        </p:nvSpPr>
+        <p:spPr>
+          <a:xfrm>
+            <a:off x="10222151" y="4179366"/>
+            <a:ext cx="517736" cy="412459"/>
+          </a:xfrm>
+          <a:prstGeom prst="rect">
+            <a:avLst/>
+          </a:prstGeom>
+          <a:noFill/>
+          <a:ln w="28575">
+            <a:solidFill>
+              <a:srgbClr val="FF0000"/>
+            </a:solidFill>
+          </a:ln>
+        </p:spPr>
+        <p:style>
+          <a:lnRef idx="2">
+            <a:schemeClr val="accent1">
+              <a:shade val="15000"/>
+            </a:schemeClr>
+          </a:lnRef>
+          <a:fillRef idx="1">
+            <a:schemeClr val="accent1"/>
+          </a:fillRef>
+          <a:effectRef idx="0">
+            <a:schemeClr val="accent1"/>
+          </a:effectRef>
+          <a:fontRef idx="minor">
+            <a:schemeClr val="lt1"/>
+          </a:fontRef>
+        </p:style>
+        <p:txBody>
+          <a:bodyPr rtlCol="0" anchor="ctr"/>
+          <a:lstStyle/>
+          <a:p>
+            <a:pPr algn="ctr"/>
+            <a:endParaRPr lang="en-US"/>
+          </a:p>
+        </p:txBody>
+      </p:sp>
+      <p:sp>
+        <p:nvSpPr>
+          <p:cNvPr id="16" name="Rectangle 15">
+            <a:extLst>
+              <a:ext uri="{FF2B5EF4-FFF2-40B4-BE49-F238E27FC236}">
+                <a16:creationId xmlns:a16="http://schemas.microsoft.com/office/drawing/2014/main" id="{A72B19E1-29DD-510F-2985-15E8740F9912}"/>
+              </a:ext>
+            </a:extLst>
+          </p:cNvPr>
+          <p:cNvSpPr/>
+          <p:nvPr/>
+        </p:nvSpPr>
+        <p:spPr>
+          <a:xfrm>
+            <a:off x="10386473" y="1415090"/>
+            <a:ext cx="277480" cy="523220"/>
+          </a:xfrm>
+          <a:prstGeom prst="rect">
+            <a:avLst/>
+          </a:prstGeom>
+          <a:noFill/>
+        </p:spPr>
+        <p:txBody>
+          <a:bodyPr wrap="square" lIns="91440" tIns="45720" rIns="91440" bIns="45720">
+            <a:spAutoFit/>
+            <a:scene3d>
+              <a:camera prst="orthographicFront"/>
+              <a:lightRig rig="soft" dir="t">
+                <a:rot lat="0" lon="0" rev="15600000"/>
+              </a:lightRig>
+            </a:scene3d>
+            <a:sp3d extrusionH="57150" prstMaterial="softEdge">
+              <a:bevelT w="25400" h="38100"/>
+            </a:sp3d>
+          </a:bodyPr>
+          <a:lstStyle/>
+          <a:p>
+            <a:pPr algn="ctr"/>
+            <a:r>
+              <a:rPr lang="en-US" sz="2800" b="1" cap="none" spc="0" dirty="0">
+                <a:ln/>
+                <a:solidFill>
+                  <a:schemeClr val="accent4"/>
+                </a:solidFill>
+                <a:effectLst/>
+              </a:rPr>
+              <a:t>1</a:t>
+            </a:r>
+          </a:p>
+        </p:txBody>
+      </p:sp>
+      <p:sp>
+        <p:nvSpPr>
+          <p:cNvPr id="17" name="Rectangle 16">
+            <a:extLst>
+              <a:ext uri="{FF2B5EF4-FFF2-40B4-BE49-F238E27FC236}">
+                <a16:creationId xmlns:a16="http://schemas.microsoft.com/office/drawing/2014/main" id="{2067A01D-66D2-ED73-1CFF-3382A84B38CB}"/>
+              </a:ext>
+            </a:extLst>
+          </p:cNvPr>
+          <p:cNvSpPr/>
+          <p:nvPr/>
+        </p:nvSpPr>
+        <p:spPr>
+          <a:xfrm>
+            <a:off x="6282271" y="1992457"/>
+            <a:ext cx="277480" cy="523220"/>
+          </a:xfrm>
+          <a:prstGeom prst="rect">
+            <a:avLst/>
+          </a:prstGeom>
+          <a:noFill/>
+        </p:spPr>
+        <p:txBody>
+          <a:bodyPr wrap="square" lIns="91440" tIns="45720" rIns="91440" bIns="45720">
+            <a:spAutoFit/>
+            <a:scene3d>
+              <a:camera prst="orthographicFront"/>
+              <a:lightRig rig="soft" dir="t">
+                <a:rot lat="0" lon="0" rev="15600000"/>
+              </a:lightRig>
+            </a:scene3d>
+            <a:sp3d extrusionH="57150" prstMaterial="softEdge">
+              <a:bevelT w="25400" h="38100"/>
+            </a:sp3d>
+          </a:bodyPr>
+          <a:lstStyle/>
+          <a:p>
+            <a:pPr algn="ctr"/>
+            <a:r>
+              <a:rPr lang="en-US" sz="2800" b="1" dirty="0">
+                <a:ln/>
+                <a:solidFill>
+                  <a:schemeClr val="accent4"/>
+                </a:solidFill>
+              </a:rPr>
+              <a:t>2</a:t>
+            </a:r>
+            <a:endParaRPr lang="en-US" sz="2800" b="1" cap="none" spc="0" dirty="0">
+              <a:ln/>
+              <a:solidFill>
+                <a:schemeClr val="accent4"/>
+              </a:solidFill>
+              <a:effectLst/>
+            </a:endParaRPr>
+          </a:p>
+        </p:txBody>
+      </p:sp>
+      <p:sp>
+        <p:nvSpPr>
+          <p:cNvPr id="18" name="Rectangle 17">
+            <a:extLst>
+              <a:ext uri="{FF2B5EF4-FFF2-40B4-BE49-F238E27FC236}">
+                <a16:creationId xmlns:a16="http://schemas.microsoft.com/office/drawing/2014/main" id="{06965D07-2745-440C-371D-6240B657DB99}"/>
+              </a:ext>
+            </a:extLst>
+          </p:cNvPr>
+          <p:cNvSpPr/>
+          <p:nvPr/>
+        </p:nvSpPr>
+        <p:spPr>
+          <a:xfrm>
+            <a:off x="10151779" y="3663995"/>
+            <a:ext cx="277480" cy="523220"/>
+          </a:xfrm>
+          <a:prstGeom prst="rect">
+            <a:avLst/>
+          </a:prstGeom>
+          <a:noFill/>
+        </p:spPr>
+        <p:txBody>
+          <a:bodyPr wrap="square" lIns="91440" tIns="45720" rIns="91440" bIns="45720">
+            <a:spAutoFit/>
+            <a:scene3d>
+              <a:camera prst="orthographicFront"/>
+              <a:lightRig rig="soft" dir="t">
+                <a:rot lat="0" lon="0" rev="15600000"/>
+              </a:lightRig>
+            </a:scene3d>
+            <a:sp3d extrusionH="57150" prstMaterial="softEdge">
+              <a:bevelT w="25400" h="38100"/>
+            </a:sp3d>
+          </a:bodyPr>
+          <a:lstStyle/>
+          <a:p>
+            <a:pPr algn="ctr"/>
+            <a:r>
+              <a:rPr lang="en-US" sz="2800" b="1" cap="none" spc="0" dirty="0">
+                <a:ln/>
+                <a:solidFill>
+                  <a:schemeClr val="accent4"/>
+                </a:solidFill>
+                <a:effectLst/>
+              </a:rPr>
+              <a:t>3</a:t>
+            </a:r>
+          </a:p>
+        </p:txBody>
+      </p:sp>
+    </p:spTree>
+    <p:extLst>
+      <p:ext uri="{BB962C8B-B14F-4D97-AF65-F5344CB8AC3E}">
+        <p14:creationId xmlns:p14="http://schemas.microsoft.com/office/powerpoint/2010/main" val="2545338237"/>
+      </p:ext>
+    </p:extLst>
+  </p:cSld>
+  <p:clrMapOvr>
+    <a:masterClrMapping/>
+  </p:clrMapOvr>
+</p:sld>
+</file>
+
+<file path=ppt/slides/slide16.xml><?xml version="1.0" encoding="utf-8"?>
+<p:sld xmlns:a="http://schemas.openxmlformats.org/drawingml/2006/main" xmlns:r="http://schemas.openxmlformats.org/officeDocument/2006/relationships" xmlns:p="http://schemas.openxmlformats.org/presentationml/2006/main">
+  <p:cSld>
+    <p:spTree>
+      <p:nvGrpSpPr>
+        <p:cNvPr id="1" name="">
+          <a:extLst>
+            <a:ext uri="{FF2B5EF4-FFF2-40B4-BE49-F238E27FC236}">
+              <a16:creationId xmlns:a16="http://schemas.microsoft.com/office/drawing/2014/main" id="{19A4D65E-B670-DD0A-7DCF-1D6360A91039}"/>
+            </a:ext>
+          </a:extLst>
+        </p:cNvPr>
+        <p:cNvGrpSpPr/>
+        <p:nvPr/>
+      </p:nvGrpSpPr>
+      <p:grpSpPr>
+        <a:xfrm>
+          <a:off x="0" y="0"/>
+          <a:ext cx="0" cy="0"/>
+          <a:chOff x="0" y="0"/>
+          <a:chExt cx="0" cy="0"/>
+        </a:xfrm>
+      </p:grpSpPr>
+      <p:sp>
+        <p:nvSpPr>
+          <p:cNvPr id="8" name="Content Placeholder 2">
+            <a:extLst>
+              <a:ext uri="{FF2B5EF4-FFF2-40B4-BE49-F238E27FC236}">
+                <a16:creationId xmlns:a16="http://schemas.microsoft.com/office/drawing/2014/main" id="{4053EDA0-F9E5-1FA0-7DC4-0326D9DC2F98}"/>
+              </a:ext>
+            </a:extLst>
+          </p:cNvPr>
+          <p:cNvSpPr txBox="1">
+            <a:spLocks/>
+          </p:cNvSpPr>
+          <p:nvPr/>
+        </p:nvSpPr>
+        <p:spPr>
+          <a:xfrm>
+            <a:off x="218022" y="192169"/>
+            <a:ext cx="4811177" cy="1537854"/>
+          </a:xfrm>
+          <a:prstGeom prst="rect">
+            <a:avLst/>
+          </a:prstGeom>
+        </p:spPr>
+        <p:txBody>
+          <a:bodyPr vert="horz" lIns="91440" tIns="45720" rIns="91440" bIns="45720" rtlCol="0">
+            <a:normAutofit/>
+          </a:bodyPr>
+          <a:lstStyle>
+            <a:lvl1pPr marL="228600" indent="-228600" algn="l" defTabSz="914400" rtl="0" eaLnBrk="1" latinLnBrk="0" hangingPunct="1">
+              <a:lnSpc>
+                <a:spcPct val="90000"/>
+              </a:lnSpc>
+              <a:spcBef>
+                <a:spcPts val="1000"/>
+              </a:spcBef>
+              <a:buFont typeface="Arial" panose="020B0604020202020204" pitchFamily="34" charset="0"/>
+              <a:buChar char="•"/>
+              <a:defRPr sz="2800" kern="1200">
+                <a:solidFill>
+                  <a:schemeClr val="tx1"/>
+                </a:solidFill>
+                <a:latin typeface="+mn-lt"/>
+                <a:ea typeface="+mn-ea"/>
+                <a:cs typeface="+mn-cs"/>
+              </a:defRPr>
+            </a:lvl1pPr>
+            <a:lvl2pPr marL="685800" indent="-228600" algn="l" defTabSz="914400" rtl="0" eaLnBrk="1" latinLnBrk="0" hangingPunct="1">
+              <a:lnSpc>
+                <a:spcPct val="90000"/>
+              </a:lnSpc>
+              <a:spcBef>
+                <a:spcPts val="500"/>
+              </a:spcBef>
+              <a:buFont typeface="Arial" panose="020B0604020202020204" pitchFamily="34" charset="0"/>
+              <a:buChar char="•"/>
+              <a:defRPr sz="2400" kern="1200">
+                <a:solidFill>
+                  <a:schemeClr val="tx1"/>
+                </a:solidFill>
+                <a:latin typeface="+mn-lt"/>
+                <a:ea typeface="+mn-ea"/>
+                <a:cs typeface="+mn-cs"/>
+              </a:defRPr>
+            </a:lvl2pPr>
+            <a:lvl3pPr marL="1143000" indent="-228600" algn="l" defTabSz="914400" rtl="0" eaLnBrk="1" latinLnBrk="0" hangingPunct="1">
+              <a:lnSpc>
+                <a:spcPct val="90000"/>
+              </a:lnSpc>
+              <a:spcBef>
+                <a:spcPts val="500"/>
+              </a:spcBef>
+              <a:buFont typeface="Arial" panose="020B0604020202020204" pitchFamily="34" charset="0"/>
+              <a:buChar char="•"/>
+              <a:defRPr sz="2000" kern="1200">
+                <a:solidFill>
+                  <a:schemeClr val="tx1"/>
+                </a:solidFill>
+                <a:latin typeface="+mn-lt"/>
+                <a:ea typeface="+mn-ea"/>
+                <a:cs typeface="+mn-cs"/>
+              </a:defRPr>
+            </a:lvl3pPr>
+            <a:lvl4pPr marL="1600200" indent="-228600" algn="l" defTabSz="914400" rtl="0" eaLnBrk="1" latinLnBrk="0" hangingPunct="1">
+              <a:lnSpc>
+                <a:spcPct val="90000"/>
+              </a:lnSpc>
+              <a:spcBef>
+                <a:spcPts val="500"/>
+              </a:spcBef>
+              <a:buFont typeface="Arial" panose="020B0604020202020204" pitchFamily="34" charset="0"/>
+              <a:buChar char="•"/>
+              <a:defRPr sz="1800" kern="1200">
+                <a:solidFill>
+                  <a:schemeClr val="tx1"/>
+                </a:solidFill>
+                <a:latin typeface="+mn-lt"/>
+                <a:ea typeface="+mn-ea"/>
+                <a:cs typeface="+mn-cs"/>
+              </a:defRPr>
+            </a:lvl4pPr>
+            <a:lvl5pPr marL="2057400" indent="-228600" algn="l" defTabSz="914400" rtl="0" eaLnBrk="1" latinLnBrk="0" hangingPunct="1">
+              <a:lnSpc>
+                <a:spcPct val="90000"/>
+              </a:lnSpc>
+              <a:spcBef>
+                <a:spcPts val="500"/>
+              </a:spcBef>
+              <a:buFont typeface="Arial" panose="020B0604020202020204" pitchFamily="34" charset="0"/>
+              <a:buChar char="•"/>
+              <a:defRPr sz="1800" kern="1200">
+                <a:solidFill>
+                  <a:schemeClr val="tx1"/>
+                </a:solidFill>
+                <a:latin typeface="+mn-lt"/>
+                <a:ea typeface="+mn-ea"/>
+                <a:cs typeface="+mn-cs"/>
+              </a:defRPr>
+            </a:lvl5pPr>
+            <a:lvl6pPr marL="2514600" indent="-228600" algn="l" defTabSz="914400" rtl="0" eaLnBrk="1" latinLnBrk="0" hangingPunct="1">
+              <a:lnSpc>
+                <a:spcPct val="90000"/>
+              </a:lnSpc>
+              <a:spcBef>
+                <a:spcPts val="500"/>
+              </a:spcBef>
+              <a:buFont typeface="Arial" panose="020B0604020202020204" pitchFamily="34" charset="0"/>
+              <a:buChar char="•"/>
+              <a:defRPr sz="1800" kern="1200">
+                <a:solidFill>
+                  <a:schemeClr val="tx1"/>
+                </a:solidFill>
+                <a:latin typeface="+mn-lt"/>
+                <a:ea typeface="+mn-ea"/>
+                <a:cs typeface="+mn-cs"/>
+              </a:defRPr>
+            </a:lvl6pPr>
+            <a:lvl7pPr marL="2971800" indent="-228600" algn="l" defTabSz="914400" rtl="0" eaLnBrk="1" latinLnBrk="0" hangingPunct="1">
+              <a:lnSpc>
+                <a:spcPct val="90000"/>
+              </a:lnSpc>
+              <a:spcBef>
+                <a:spcPts val="500"/>
+              </a:spcBef>
+              <a:buFont typeface="Arial" panose="020B0604020202020204" pitchFamily="34" charset="0"/>
+              <a:buChar char="•"/>
+              <a:defRPr sz="1800" kern="1200">
+                <a:solidFill>
+                  <a:schemeClr val="tx1"/>
+                </a:solidFill>
+                <a:latin typeface="+mn-lt"/>
+                <a:ea typeface="+mn-ea"/>
+                <a:cs typeface="+mn-cs"/>
+              </a:defRPr>
+            </a:lvl7pPr>
+            <a:lvl8pPr marL="3429000" indent="-228600" algn="l" defTabSz="914400" rtl="0" eaLnBrk="1" latinLnBrk="0" hangingPunct="1">
+              <a:lnSpc>
+                <a:spcPct val="90000"/>
+              </a:lnSpc>
+              <a:spcBef>
+                <a:spcPts val="500"/>
+              </a:spcBef>
+              <a:buFont typeface="Arial" panose="020B0604020202020204" pitchFamily="34" charset="0"/>
+              <a:buChar char="•"/>
+              <a:defRPr sz="1800" kern="1200">
+                <a:solidFill>
+                  <a:schemeClr val="tx1"/>
+                </a:solidFill>
+                <a:latin typeface="+mn-lt"/>
+                <a:ea typeface="+mn-ea"/>
+                <a:cs typeface="+mn-cs"/>
+              </a:defRPr>
+            </a:lvl8pPr>
+            <a:lvl9pPr marL="3886200" indent="-228600" algn="l" defTabSz="914400" rtl="0" eaLnBrk="1" latinLnBrk="0" hangingPunct="1">
+              <a:lnSpc>
+                <a:spcPct val="90000"/>
+              </a:lnSpc>
+              <a:spcBef>
+                <a:spcPts val="500"/>
+              </a:spcBef>
+              <a:buFont typeface="Arial" panose="020B0604020202020204" pitchFamily="34" charset="0"/>
+              <a:buChar char="•"/>
+              <a:defRPr sz="1800" kern="1200">
+                <a:solidFill>
+                  <a:schemeClr val="tx1"/>
+                </a:solidFill>
+                <a:latin typeface="+mn-lt"/>
+                <a:ea typeface="+mn-ea"/>
+                <a:cs typeface="+mn-cs"/>
+              </a:defRPr>
+            </a:lvl9pPr>
+          </a:lstStyle>
+          <a:p>
+            <a:pPr marL="0" indent="0">
+              <a:buNone/>
+            </a:pPr>
+            <a:r>
+              <a:rPr lang="en-US" sz="2400" b="1" dirty="0"/>
+              <a:t>7- recorder </a:t>
+            </a:r>
+            <a:r>
+              <a:rPr lang="en-US" sz="2400" b="1" dirty="0" err="1"/>
+              <a:t>cambiar</a:t>
+            </a:r>
+            <a:r>
+              <a:rPr lang="en-US" sz="2400" b="1" dirty="0"/>
+              <a:t> el </a:t>
+            </a:r>
+            <a:r>
+              <a:rPr lang="en-US" sz="2400" b="1" dirty="0" err="1"/>
+              <a:t>tipo</a:t>
+            </a:r>
+            <a:r>
+              <a:rPr lang="en-US" sz="2400" b="1" dirty="0"/>
+              <a:t> de </a:t>
+            </a:r>
+            <a:r>
+              <a:rPr lang="en-US" sz="2400" b="1" dirty="0" err="1"/>
+              <a:t>dato</a:t>
+            </a:r>
+            <a:r>
+              <a:rPr lang="en-US" sz="2400" b="1" dirty="0"/>
+              <a:t> a </a:t>
+            </a:r>
+            <a:r>
+              <a:rPr lang="en-US" sz="2400" b="1" dirty="0" err="1"/>
+              <a:t>tipo</a:t>
+            </a:r>
+            <a:r>
+              <a:rPr lang="en-US" sz="2400" b="1" dirty="0"/>
+              <a:t> </a:t>
+            </a:r>
+            <a:r>
+              <a:rPr lang="en-US" sz="2400" b="1" dirty="0" err="1"/>
+              <a:t>fecha</a:t>
+            </a:r>
+            <a:endParaRPr lang="en-US" sz="2400" b="1" dirty="0"/>
+          </a:p>
+        </p:txBody>
+      </p:sp>
+      <p:sp>
+        <p:nvSpPr>
+          <p:cNvPr id="9" name="Content Placeholder 2">
+            <a:extLst>
+              <a:ext uri="{FF2B5EF4-FFF2-40B4-BE49-F238E27FC236}">
+                <a16:creationId xmlns:a16="http://schemas.microsoft.com/office/drawing/2014/main" id="{8ED1D708-7B05-10A0-B87C-1526F2226DB0}"/>
+              </a:ext>
+            </a:extLst>
+          </p:cNvPr>
+          <p:cNvSpPr txBox="1">
+            <a:spLocks/>
+          </p:cNvSpPr>
+          <p:nvPr/>
+        </p:nvSpPr>
+        <p:spPr>
+          <a:xfrm>
+            <a:off x="5064029" y="4393809"/>
+            <a:ext cx="6324932" cy="910014"/>
+          </a:xfrm>
+          <a:prstGeom prst="rect">
+            <a:avLst/>
+          </a:prstGeom>
+        </p:spPr>
+        <p:txBody>
+          <a:bodyPr vert="horz" lIns="91440" tIns="45720" rIns="91440" bIns="45720" rtlCol="0">
+            <a:normAutofit/>
+          </a:bodyPr>
+          <a:lstStyle>
+            <a:lvl1pPr marL="228600" indent="-228600" algn="l" defTabSz="914400" rtl="0" eaLnBrk="1" latinLnBrk="0" hangingPunct="1">
+              <a:lnSpc>
+                <a:spcPct val="90000"/>
+              </a:lnSpc>
+              <a:spcBef>
+                <a:spcPts val="1000"/>
+              </a:spcBef>
+              <a:buFont typeface="Arial" panose="020B0604020202020204" pitchFamily="34" charset="0"/>
+              <a:buChar char="•"/>
+              <a:defRPr sz="2800" kern="1200">
+                <a:solidFill>
+                  <a:schemeClr val="tx1"/>
+                </a:solidFill>
+                <a:latin typeface="+mn-lt"/>
+                <a:ea typeface="+mn-ea"/>
+                <a:cs typeface="+mn-cs"/>
+              </a:defRPr>
+            </a:lvl1pPr>
+            <a:lvl2pPr marL="685800" indent="-228600" algn="l" defTabSz="914400" rtl="0" eaLnBrk="1" latinLnBrk="0" hangingPunct="1">
+              <a:lnSpc>
+                <a:spcPct val="90000"/>
+              </a:lnSpc>
+              <a:spcBef>
+                <a:spcPts val="500"/>
+              </a:spcBef>
+              <a:buFont typeface="Arial" panose="020B0604020202020204" pitchFamily="34" charset="0"/>
+              <a:buChar char="•"/>
+              <a:defRPr sz="2400" kern="1200">
+                <a:solidFill>
+                  <a:schemeClr val="tx1"/>
+                </a:solidFill>
+                <a:latin typeface="+mn-lt"/>
+                <a:ea typeface="+mn-ea"/>
+                <a:cs typeface="+mn-cs"/>
+              </a:defRPr>
+            </a:lvl2pPr>
+            <a:lvl3pPr marL="1143000" indent="-228600" algn="l" defTabSz="914400" rtl="0" eaLnBrk="1" latinLnBrk="0" hangingPunct="1">
+              <a:lnSpc>
+                <a:spcPct val="90000"/>
+              </a:lnSpc>
+              <a:spcBef>
+                <a:spcPts val="500"/>
+              </a:spcBef>
+              <a:buFont typeface="Arial" panose="020B0604020202020204" pitchFamily="34" charset="0"/>
+              <a:buChar char="•"/>
+              <a:defRPr sz="2000" kern="1200">
+                <a:solidFill>
+                  <a:schemeClr val="tx1"/>
+                </a:solidFill>
+                <a:latin typeface="+mn-lt"/>
+                <a:ea typeface="+mn-ea"/>
+                <a:cs typeface="+mn-cs"/>
+              </a:defRPr>
+            </a:lvl3pPr>
+            <a:lvl4pPr marL="1600200" indent="-228600" algn="l" defTabSz="914400" rtl="0" eaLnBrk="1" latinLnBrk="0" hangingPunct="1">
+              <a:lnSpc>
+                <a:spcPct val="90000"/>
+              </a:lnSpc>
+              <a:spcBef>
+                <a:spcPts val="500"/>
+              </a:spcBef>
+              <a:buFont typeface="Arial" panose="020B0604020202020204" pitchFamily="34" charset="0"/>
+              <a:buChar char="•"/>
+              <a:defRPr sz="1800" kern="1200">
+                <a:solidFill>
+                  <a:schemeClr val="tx1"/>
+                </a:solidFill>
+                <a:latin typeface="+mn-lt"/>
+                <a:ea typeface="+mn-ea"/>
+                <a:cs typeface="+mn-cs"/>
+              </a:defRPr>
+            </a:lvl4pPr>
+            <a:lvl5pPr marL="2057400" indent="-228600" algn="l" defTabSz="914400" rtl="0" eaLnBrk="1" latinLnBrk="0" hangingPunct="1">
+              <a:lnSpc>
+                <a:spcPct val="90000"/>
+              </a:lnSpc>
+              <a:spcBef>
+                <a:spcPts val="500"/>
+              </a:spcBef>
+              <a:buFont typeface="Arial" panose="020B0604020202020204" pitchFamily="34" charset="0"/>
+              <a:buChar char="•"/>
+              <a:defRPr sz="1800" kern="1200">
+                <a:solidFill>
+                  <a:schemeClr val="tx1"/>
+                </a:solidFill>
+                <a:latin typeface="+mn-lt"/>
+                <a:ea typeface="+mn-ea"/>
+                <a:cs typeface="+mn-cs"/>
+              </a:defRPr>
+            </a:lvl5pPr>
+            <a:lvl6pPr marL="2514600" indent="-228600" algn="l" defTabSz="914400" rtl="0" eaLnBrk="1" latinLnBrk="0" hangingPunct="1">
+              <a:lnSpc>
+                <a:spcPct val="90000"/>
+              </a:lnSpc>
+              <a:spcBef>
+                <a:spcPts val="500"/>
+              </a:spcBef>
+              <a:buFont typeface="Arial" panose="020B0604020202020204" pitchFamily="34" charset="0"/>
+              <a:buChar char="•"/>
+              <a:defRPr sz="1800" kern="1200">
+                <a:solidFill>
+                  <a:schemeClr val="tx1"/>
+                </a:solidFill>
+                <a:latin typeface="+mn-lt"/>
+                <a:ea typeface="+mn-ea"/>
+                <a:cs typeface="+mn-cs"/>
+              </a:defRPr>
+            </a:lvl6pPr>
+            <a:lvl7pPr marL="2971800" indent="-228600" algn="l" defTabSz="914400" rtl="0" eaLnBrk="1" latinLnBrk="0" hangingPunct="1">
+              <a:lnSpc>
+                <a:spcPct val="90000"/>
+              </a:lnSpc>
+              <a:spcBef>
+                <a:spcPts val="500"/>
+              </a:spcBef>
+              <a:buFont typeface="Arial" panose="020B0604020202020204" pitchFamily="34" charset="0"/>
+              <a:buChar char="•"/>
+              <a:defRPr sz="1800" kern="1200">
+                <a:solidFill>
+                  <a:schemeClr val="tx1"/>
+                </a:solidFill>
+                <a:latin typeface="+mn-lt"/>
+                <a:ea typeface="+mn-ea"/>
+                <a:cs typeface="+mn-cs"/>
+              </a:defRPr>
+            </a:lvl7pPr>
+            <a:lvl8pPr marL="3429000" indent="-228600" algn="l" defTabSz="914400" rtl="0" eaLnBrk="1" latinLnBrk="0" hangingPunct="1">
+              <a:lnSpc>
+                <a:spcPct val="90000"/>
+              </a:lnSpc>
+              <a:spcBef>
+                <a:spcPts val="500"/>
+              </a:spcBef>
+              <a:buFont typeface="Arial" panose="020B0604020202020204" pitchFamily="34" charset="0"/>
+              <a:buChar char="•"/>
+              <a:defRPr sz="1800" kern="1200">
+                <a:solidFill>
+                  <a:schemeClr val="tx1"/>
+                </a:solidFill>
+                <a:latin typeface="+mn-lt"/>
+                <a:ea typeface="+mn-ea"/>
+                <a:cs typeface="+mn-cs"/>
+              </a:defRPr>
+            </a:lvl8pPr>
+            <a:lvl9pPr marL="3886200" indent="-228600" algn="l" defTabSz="914400" rtl="0" eaLnBrk="1" latinLnBrk="0" hangingPunct="1">
+              <a:lnSpc>
+                <a:spcPct val="90000"/>
+              </a:lnSpc>
+              <a:spcBef>
+                <a:spcPts val="500"/>
+              </a:spcBef>
+              <a:buFont typeface="Arial" panose="020B0604020202020204" pitchFamily="34" charset="0"/>
+              <a:buChar char="•"/>
+              <a:defRPr sz="1800" kern="1200">
+                <a:solidFill>
+                  <a:schemeClr val="tx1"/>
+                </a:solidFill>
+                <a:latin typeface="+mn-lt"/>
+                <a:ea typeface="+mn-ea"/>
+                <a:cs typeface="+mn-cs"/>
+              </a:defRPr>
+            </a:lvl9pPr>
+          </a:lstStyle>
+          <a:p>
+            <a:pPr marL="0" indent="0">
+              <a:buNone/>
+            </a:pPr>
+            <a:r>
+              <a:rPr lang="es-MX" sz="1400" b="1" dirty="0">
+                <a:solidFill>
+                  <a:srgbClr val="0070C0"/>
+                </a:solidFill>
+              </a:rPr>
+              <a:t>Lo anterior es útil para usar la tabla como dimensión de fechas completa, o usar como tabla de relación entre 2 tablas diferentes datos pero con dimensión de fecha</a:t>
+            </a:r>
+            <a:endParaRPr lang="en-US" sz="1400" b="1" dirty="0">
+              <a:solidFill>
+                <a:srgbClr val="0070C0"/>
+              </a:solidFill>
+            </a:endParaRPr>
+          </a:p>
+        </p:txBody>
+      </p:sp>
+      <p:pic>
+        <p:nvPicPr>
+          <p:cNvPr id="4" name="Picture 3">
+            <a:extLst>
+              <a:ext uri="{FF2B5EF4-FFF2-40B4-BE49-F238E27FC236}">
+                <a16:creationId xmlns:a16="http://schemas.microsoft.com/office/drawing/2014/main" id="{BB5B69A0-D01D-A370-BC63-DB314BAAAFAA}"/>
+              </a:ext>
+            </a:extLst>
+          </p:cNvPr>
+          <p:cNvPicPr>
+            <a:picLocks noChangeAspect="1"/>
+          </p:cNvPicPr>
+          <p:nvPr/>
+        </p:nvPicPr>
+        <p:blipFill>
+          <a:blip r:embed="rId2"/>
+          <a:stretch>
+            <a:fillRect/>
+          </a:stretch>
+        </p:blipFill>
+        <p:spPr>
+          <a:xfrm>
+            <a:off x="877167" y="2515677"/>
+            <a:ext cx="1377896" cy="3756265"/>
+          </a:xfrm>
+          <a:prstGeom prst="rect">
+            <a:avLst/>
+          </a:prstGeom>
+        </p:spPr>
+      </p:pic>
+      <p:pic>
+        <p:nvPicPr>
+          <p:cNvPr id="13" name="Picture 12">
+            <a:extLst>
+              <a:ext uri="{FF2B5EF4-FFF2-40B4-BE49-F238E27FC236}">
+                <a16:creationId xmlns:a16="http://schemas.microsoft.com/office/drawing/2014/main" id="{E452D39A-1407-8F3A-187E-904A87A21EEB}"/>
+              </a:ext>
+            </a:extLst>
+          </p:cNvPr>
+          <p:cNvPicPr>
+            <a:picLocks noChangeAspect="1"/>
+          </p:cNvPicPr>
+          <p:nvPr/>
+        </p:nvPicPr>
+        <p:blipFill>
+          <a:blip r:embed="rId3"/>
+          <a:stretch>
+            <a:fillRect/>
+          </a:stretch>
+        </p:blipFill>
+        <p:spPr>
+          <a:xfrm>
+            <a:off x="5566558" y="1925143"/>
+            <a:ext cx="5967566" cy="2327351"/>
+          </a:xfrm>
+          <a:prstGeom prst="rect">
+            <a:avLst/>
+          </a:prstGeom>
+        </p:spPr>
+      </p:pic>
+      <p:sp>
+        <p:nvSpPr>
+          <p:cNvPr id="19" name="Rectangle 18">
+            <a:extLst>
+              <a:ext uri="{FF2B5EF4-FFF2-40B4-BE49-F238E27FC236}">
+                <a16:creationId xmlns:a16="http://schemas.microsoft.com/office/drawing/2014/main" id="{FA4D772C-3910-1AD7-CC5E-7653EF2FC67E}"/>
+              </a:ext>
+            </a:extLst>
+          </p:cNvPr>
+          <p:cNvSpPr/>
+          <p:nvPr/>
+        </p:nvSpPr>
+        <p:spPr>
+          <a:xfrm>
+            <a:off x="11069053" y="1941381"/>
+            <a:ext cx="465071" cy="420028"/>
+          </a:xfrm>
+          <a:prstGeom prst="rect">
+            <a:avLst/>
+          </a:prstGeom>
+          <a:noFill/>
+          <a:ln w="28575">
+            <a:solidFill>
+              <a:srgbClr val="FF0000"/>
+            </a:solidFill>
+          </a:ln>
+        </p:spPr>
+        <p:style>
+          <a:lnRef idx="2">
+            <a:schemeClr val="accent1">
+              <a:shade val="15000"/>
+            </a:schemeClr>
+          </a:lnRef>
+          <a:fillRef idx="1">
+            <a:schemeClr val="accent1"/>
+          </a:fillRef>
+          <a:effectRef idx="0">
+            <a:schemeClr val="accent1"/>
+          </a:effectRef>
+          <a:fontRef idx="minor">
+            <a:schemeClr val="lt1"/>
+          </a:fontRef>
+        </p:style>
+        <p:txBody>
+          <a:bodyPr rtlCol="0" anchor="ctr"/>
+          <a:lstStyle/>
+          <a:p>
+            <a:pPr algn="ctr"/>
+            <a:endParaRPr lang="en-US"/>
+          </a:p>
+        </p:txBody>
+      </p:sp>
+      <p:sp>
+        <p:nvSpPr>
+          <p:cNvPr id="20" name="Content Placeholder 2">
+            <a:extLst>
+              <a:ext uri="{FF2B5EF4-FFF2-40B4-BE49-F238E27FC236}">
+                <a16:creationId xmlns:a16="http://schemas.microsoft.com/office/drawing/2014/main" id="{6A725C29-862C-7D23-2781-C7F7BF6A369F}"/>
+              </a:ext>
+            </a:extLst>
+          </p:cNvPr>
+          <p:cNvSpPr txBox="1">
+            <a:spLocks/>
+          </p:cNvSpPr>
+          <p:nvPr/>
+        </p:nvSpPr>
+        <p:spPr>
+          <a:xfrm>
+            <a:off x="5992181" y="192169"/>
+            <a:ext cx="5541943" cy="1732974"/>
+          </a:xfrm>
+          <a:prstGeom prst="rect">
+            <a:avLst/>
+          </a:prstGeom>
+        </p:spPr>
+        <p:txBody>
+          <a:bodyPr vert="horz" lIns="91440" tIns="45720" rIns="91440" bIns="45720" rtlCol="0">
+            <a:normAutofit fontScale="92500"/>
+          </a:bodyPr>
+          <a:lstStyle>
+            <a:lvl1pPr marL="228600" indent="-228600" algn="l" defTabSz="914400" rtl="0" eaLnBrk="1" latinLnBrk="0" hangingPunct="1">
+              <a:lnSpc>
+                <a:spcPct val="90000"/>
+              </a:lnSpc>
+              <a:spcBef>
+                <a:spcPts val="1000"/>
+              </a:spcBef>
+              <a:buFont typeface="Arial" panose="020B0604020202020204" pitchFamily="34" charset="0"/>
+              <a:buChar char="•"/>
+              <a:defRPr sz="2800" kern="1200">
+                <a:solidFill>
+                  <a:schemeClr val="tx1"/>
+                </a:solidFill>
+                <a:latin typeface="+mn-lt"/>
+                <a:ea typeface="+mn-ea"/>
+                <a:cs typeface="+mn-cs"/>
+              </a:defRPr>
+            </a:lvl1pPr>
+            <a:lvl2pPr marL="685800" indent="-228600" algn="l" defTabSz="914400" rtl="0" eaLnBrk="1" latinLnBrk="0" hangingPunct="1">
+              <a:lnSpc>
+                <a:spcPct val="90000"/>
+              </a:lnSpc>
+              <a:spcBef>
+                <a:spcPts val="500"/>
+              </a:spcBef>
+              <a:buFont typeface="Arial" panose="020B0604020202020204" pitchFamily="34" charset="0"/>
+              <a:buChar char="•"/>
+              <a:defRPr sz="2400" kern="1200">
+                <a:solidFill>
+                  <a:schemeClr val="tx1"/>
+                </a:solidFill>
+                <a:latin typeface="+mn-lt"/>
+                <a:ea typeface="+mn-ea"/>
+                <a:cs typeface="+mn-cs"/>
+              </a:defRPr>
+            </a:lvl2pPr>
+            <a:lvl3pPr marL="1143000" indent="-228600" algn="l" defTabSz="914400" rtl="0" eaLnBrk="1" latinLnBrk="0" hangingPunct="1">
+              <a:lnSpc>
+                <a:spcPct val="90000"/>
+              </a:lnSpc>
+              <a:spcBef>
+                <a:spcPts val="500"/>
+              </a:spcBef>
+              <a:buFont typeface="Arial" panose="020B0604020202020204" pitchFamily="34" charset="0"/>
+              <a:buChar char="•"/>
+              <a:defRPr sz="2000" kern="1200">
+                <a:solidFill>
+                  <a:schemeClr val="tx1"/>
+                </a:solidFill>
+                <a:latin typeface="+mn-lt"/>
+                <a:ea typeface="+mn-ea"/>
+                <a:cs typeface="+mn-cs"/>
+              </a:defRPr>
+            </a:lvl3pPr>
+            <a:lvl4pPr marL="1600200" indent="-228600" algn="l" defTabSz="914400" rtl="0" eaLnBrk="1" latinLnBrk="0" hangingPunct="1">
+              <a:lnSpc>
+                <a:spcPct val="90000"/>
+              </a:lnSpc>
+              <a:spcBef>
+                <a:spcPts val="500"/>
+              </a:spcBef>
+              <a:buFont typeface="Arial" panose="020B0604020202020204" pitchFamily="34" charset="0"/>
+              <a:buChar char="•"/>
+              <a:defRPr sz="1800" kern="1200">
+                <a:solidFill>
+                  <a:schemeClr val="tx1"/>
+                </a:solidFill>
+                <a:latin typeface="+mn-lt"/>
+                <a:ea typeface="+mn-ea"/>
+                <a:cs typeface="+mn-cs"/>
+              </a:defRPr>
+            </a:lvl4pPr>
+            <a:lvl5pPr marL="2057400" indent="-228600" algn="l" defTabSz="914400" rtl="0" eaLnBrk="1" latinLnBrk="0" hangingPunct="1">
+              <a:lnSpc>
+                <a:spcPct val="90000"/>
+              </a:lnSpc>
+              <a:spcBef>
+                <a:spcPts val="500"/>
+              </a:spcBef>
+              <a:buFont typeface="Arial" panose="020B0604020202020204" pitchFamily="34" charset="0"/>
+              <a:buChar char="•"/>
+              <a:defRPr sz="1800" kern="1200">
+                <a:solidFill>
+                  <a:schemeClr val="tx1"/>
+                </a:solidFill>
+                <a:latin typeface="+mn-lt"/>
+                <a:ea typeface="+mn-ea"/>
+                <a:cs typeface="+mn-cs"/>
+              </a:defRPr>
+            </a:lvl5pPr>
+            <a:lvl6pPr marL="2514600" indent="-228600" algn="l" defTabSz="914400" rtl="0" eaLnBrk="1" latinLnBrk="0" hangingPunct="1">
+              <a:lnSpc>
+                <a:spcPct val="90000"/>
+              </a:lnSpc>
+              <a:spcBef>
+                <a:spcPts val="500"/>
+              </a:spcBef>
+              <a:buFont typeface="Arial" panose="020B0604020202020204" pitchFamily="34" charset="0"/>
+              <a:buChar char="•"/>
+              <a:defRPr sz="1800" kern="1200">
+                <a:solidFill>
+                  <a:schemeClr val="tx1"/>
+                </a:solidFill>
+                <a:latin typeface="+mn-lt"/>
+                <a:ea typeface="+mn-ea"/>
+                <a:cs typeface="+mn-cs"/>
+              </a:defRPr>
+            </a:lvl6pPr>
+            <a:lvl7pPr marL="2971800" indent="-228600" algn="l" defTabSz="914400" rtl="0" eaLnBrk="1" latinLnBrk="0" hangingPunct="1">
+              <a:lnSpc>
+                <a:spcPct val="90000"/>
+              </a:lnSpc>
+              <a:spcBef>
+                <a:spcPts val="500"/>
+              </a:spcBef>
+              <a:buFont typeface="Arial" panose="020B0604020202020204" pitchFamily="34" charset="0"/>
+              <a:buChar char="•"/>
+              <a:defRPr sz="1800" kern="1200">
+                <a:solidFill>
+                  <a:schemeClr val="tx1"/>
+                </a:solidFill>
+                <a:latin typeface="+mn-lt"/>
+                <a:ea typeface="+mn-ea"/>
+                <a:cs typeface="+mn-cs"/>
+              </a:defRPr>
+            </a:lvl7pPr>
+            <a:lvl8pPr marL="3429000" indent="-228600" algn="l" defTabSz="914400" rtl="0" eaLnBrk="1" latinLnBrk="0" hangingPunct="1">
+              <a:lnSpc>
+                <a:spcPct val="90000"/>
+              </a:lnSpc>
+              <a:spcBef>
+                <a:spcPts val="500"/>
+              </a:spcBef>
+              <a:buFont typeface="Arial" panose="020B0604020202020204" pitchFamily="34" charset="0"/>
+              <a:buChar char="•"/>
+              <a:defRPr sz="1800" kern="1200">
+                <a:solidFill>
+                  <a:schemeClr val="tx1"/>
+                </a:solidFill>
+                <a:latin typeface="+mn-lt"/>
+                <a:ea typeface="+mn-ea"/>
+                <a:cs typeface="+mn-cs"/>
+              </a:defRPr>
+            </a:lvl8pPr>
+            <a:lvl9pPr marL="3886200" indent="-228600" algn="l" defTabSz="914400" rtl="0" eaLnBrk="1" latinLnBrk="0" hangingPunct="1">
+              <a:lnSpc>
+                <a:spcPct val="90000"/>
+              </a:lnSpc>
+              <a:spcBef>
+                <a:spcPts val="500"/>
+              </a:spcBef>
+              <a:buFont typeface="Arial" panose="020B0604020202020204" pitchFamily="34" charset="0"/>
+              <a:buChar char="•"/>
+              <a:defRPr sz="1800" kern="1200">
+                <a:solidFill>
+                  <a:schemeClr val="tx1"/>
+                </a:solidFill>
+                <a:latin typeface="+mn-lt"/>
+                <a:ea typeface="+mn-ea"/>
+                <a:cs typeface="+mn-cs"/>
+              </a:defRPr>
+            </a:lvl9pPr>
+          </a:lstStyle>
+          <a:p>
+            <a:pPr marL="0" indent="0">
+              <a:buNone/>
+            </a:pPr>
+            <a:r>
+              <a:rPr lang="en-US" sz="2400" b="1" dirty="0"/>
+              <a:t>8- Una </a:t>
+            </a:r>
+            <a:r>
+              <a:rPr lang="en-US" sz="2400" b="1" dirty="0" err="1"/>
+              <a:t>vez</a:t>
+            </a:r>
+            <a:r>
+              <a:rPr lang="en-US" sz="2400" b="1" dirty="0"/>
+              <a:t> que el campo sea </a:t>
+            </a:r>
+            <a:r>
+              <a:rPr lang="en-US" sz="2400" b="1" dirty="0" err="1"/>
+              <a:t>formato</a:t>
+            </a:r>
+            <a:r>
+              <a:rPr lang="en-US" sz="2400" b="1" dirty="0"/>
+              <a:t> </a:t>
+            </a:r>
+            <a:r>
+              <a:rPr lang="en-US" sz="2400" b="1" dirty="0" err="1"/>
+              <a:t>fecha</a:t>
+            </a:r>
+            <a:r>
+              <a:rPr lang="en-US" sz="2400" b="1" dirty="0"/>
+              <a:t> </a:t>
+            </a:r>
+            <a:r>
+              <a:rPr lang="en-US" sz="2400" b="1" dirty="0" err="1"/>
+              <a:t>podremos</a:t>
+            </a:r>
+            <a:r>
+              <a:rPr lang="en-US" sz="2400" b="1" dirty="0"/>
+              <a:t> </a:t>
+            </a:r>
+            <a:r>
+              <a:rPr lang="en-US" sz="2400" b="1" dirty="0" err="1"/>
+              <a:t>agregar</a:t>
+            </a:r>
+            <a:r>
+              <a:rPr lang="en-US" sz="2400" b="1" dirty="0"/>
+              <a:t> </a:t>
+            </a:r>
+            <a:r>
+              <a:rPr lang="en-US" sz="2400" b="1" dirty="0" err="1"/>
+              <a:t>columnas</a:t>
+            </a:r>
+            <a:r>
+              <a:rPr lang="en-US" sz="2400" b="1" dirty="0"/>
+              <a:t> con la </a:t>
+            </a:r>
+            <a:r>
+              <a:rPr lang="en-US" sz="2400" b="1" dirty="0" err="1"/>
+              <a:t>funciones</a:t>
+            </a:r>
+            <a:r>
+              <a:rPr lang="en-US" sz="2400" b="1" dirty="0"/>
+              <a:t> de </a:t>
+            </a:r>
+            <a:r>
+              <a:rPr lang="en-US" sz="2400" b="1" dirty="0" err="1"/>
+              <a:t>fecha</a:t>
+            </a:r>
+            <a:r>
+              <a:rPr lang="en-US" sz="2400" b="1" dirty="0"/>
+              <a:t> para </a:t>
+            </a:r>
+            <a:r>
+              <a:rPr lang="en-US" sz="2400" b="1" dirty="0" err="1"/>
+              <a:t>obtener</a:t>
+            </a:r>
+            <a:r>
+              <a:rPr lang="en-US" sz="2400" b="1" dirty="0"/>
+              <a:t> </a:t>
+            </a:r>
+            <a:r>
+              <a:rPr lang="en-US" sz="2400" b="1" dirty="0" err="1"/>
+              <a:t>datos</a:t>
+            </a:r>
+            <a:r>
+              <a:rPr lang="en-US" sz="2400" b="1" dirty="0"/>
+              <a:t> </a:t>
+            </a:r>
+            <a:r>
+              <a:rPr lang="en-US" sz="2400" b="1" dirty="0" err="1"/>
+              <a:t>como</a:t>
+            </a:r>
+            <a:r>
+              <a:rPr lang="en-US" sz="2400" b="1" dirty="0"/>
+              <a:t> </a:t>
+            </a:r>
+            <a:r>
+              <a:rPr lang="en-US" sz="2400" b="1" dirty="0" err="1"/>
+              <a:t>semana</a:t>
+            </a:r>
+            <a:r>
+              <a:rPr lang="en-US" sz="2400" b="1" dirty="0"/>
+              <a:t> del a</a:t>
+            </a:r>
+            <a:r>
+              <a:rPr lang="es-MX" sz="2400" b="1" dirty="0" err="1"/>
+              <a:t>ño</a:t>
+            </a:r>
+            <a:r>
+              <a:rPr lang="es-MX" sz="2400" b="1" dirty="0"/>
+              <a:t>, nombre mes, dia semana, nombre dia semana, </a:t>
+            </a:r>
+            <a:r>
+              <a:rPr lang="es-MX" sz="2400" b="1" dirty="0" err="1"/>
+              <a:t>etc</a:t>
+            </a:r>
+            <a:endParaRPr lang="en-US" sz="2400" b="1" dirty="0"/>
+          </a:p>
+        </p:txBody>
+      </p:sp>
+      <p:pic>
+        <p:nvPicPr>
+          <p:cNvPr id="22" name="Picture 21">
+            <a:extLst>
+              <a:ext uri="{FF2B5EF4-FFF2-40B4-BE49-F238E27FC236}">
+                <a16:creationId xmlns:a16="http://schemas.microsoft.com/office/drawing/2014/main" id="{A83DF8E0-82C0-C65F-E5C9-F1219D1709D9}"/>
+              </a:ext>
+            </a:extLst>
+          </p:cNvPr>
+          <p:cNvPicPr>
+            <a:picLocks noChangeAspect="1"/>
+          </p:cNvPicPr>
+          <p:nvPr/>
+        </p:nvPicPr>
+        <p:blipFill>
+          <a:blip r:embed="rId4"/>
+          <a:stretch>
+            <a:fillRect/>
+          </a:stretch>
+        </p:blipFill>
+        <p:spPr>
+          <a:xfrm>
+            <a:off x="6939088" y="4901534"/>
+            <a:ext cx="4042855" cy="1707086"/>
+          </a:xfrm>
+          <a:prstGeom prst="rect">
+            <a:avLst/>
+          </a:prstGeom>
+        </p:spPr>
+      </p:pic>
+    </p:spTree>
+    <p:extLst>
+      <p:ext uri="{BB962C8B-B14F-4D97-AF65-F5344CB8AC3E}">
+        <p14:creationId xmlns:p14="http://schemas.microsoft.com/office/powerpoint/2010/main" val="4178921582"/>
+      </p:ext>
+    </p:extLst>
+  </p:cSld>
+  <p:clrMapOvr>
+    <a:masterClrMapping/>
+  </p:clrMapOvr>
+</p:sld>
+</file>
+
 <file path=ppt/slides/slide2.xml><?xml version="1.0" encoding="utf-8"?>
 <p:sld xmlns:a="http://schemas.openxmlformats.org/drawingml/2006/main" xmlns:r="http://schemas.openxmlformats.org/officeDocument/2006/relationships" xmlns:p="http://schemas.openxmlformats.org/presentationml/2006/main">
   <p:cSld>
@@ -13126,7 +17438,7 @@
         </p:blipFill>
         <p:spPr>
           <a:xfrm>
-            <a:off x="6037313" y="2045713"/>
+            <a:off x="6097698" y="2649561"/>
             <a:ext cx="5608806" cy="4008467"/>
           </a:xfrm>
           <a:prstGeom prst="rect">
@@ -13150,7 +17462,7 @@
         </p:nvSpPr>
         <p:spPr>
           <a:xfrm>
-            <a:off x="5173579" y="353418"/>
+            <a:off x="5233964" y="931388"/>
             <a:ext cx="6849530" cy="1379053"/>
           </a:xfrm>
           <a:prstGeom prst="rect">
@@ -13414,7 +17726,7 @@
         </p:blipFill>
         <p:spPr>
           <a:xfrm>
-            <a:off x="946077" y="2674525"/>
+            <a:off x="1006462" y="3278373"/>
             <a:ext cx="1684166" cy="2179509"/>
           </a:xfrm>
           <a:prstGeom prst="rect">
@@ -13438,7 +17750,7 @@
         </p:nvSpPr>
         <p:spPr>
           <a:xfrm>
-            <a:off x="363295" y="551270"/>
+            <a:off x="423680" y="1155118"/>
             <a:ext cx="3487345" cy="1379053"/>
           </a:xfrm>
           <a:prstGeom prst="rect">
@@ -13638,6 +17950,67 @@
               <a:rPr lang="en-US" sz="2400" b="1" dirty="0"/>
               <a:t> Map”</a:t>
             </a:r>
+          </a:p>
+        </p:txBody>
+      </p:sp>
+      <p:sp>
+        <p:nvSpPr>
+          <p:cNvPr id="2" name="Rectangle 1">
+            <a:extLst>
+              <a:ext uri="{FF2B5EF4-FFF2-40B4-BE49-F238E27FC236}">
+                <a16:creationId xmlns:a16="http://schemas.microsoft.com/office/drawing/2014/main" id="{3D47347D-4324-4839-9971-924334F5D622}"/>
+              </a:ext>
+            </a:extLst>
+          </p:cNvPr>
+          <p:cNvSpPr/>
+          <p:nvPr/>
+        </p:nvSpPr>
+        <p:spPr>
+          <a:xfrm>
+            <a:off x="3593432" y="115074"/>
+            <a:ext cx="3735965" cy="707886"/>
+          </a:xfrm>
+          <a:prstGeom prst="rect">
+            <a:avLst/>
+          </a:prstGeom>
+          <a:noFill/>
+        </p:spPr>
+        <p:txBody>
+          <a:bodyPr wrap="square" lIns="91440" tIns="45720" rIns="91440" bIns="45720">
+            <a:spAutoFit/>
+          </a:bodyPr>
+          <a:lstStyle/>
+          <a:p>
+            <a:pPr algn="ctr"/>
+            <a:r>
+              <a:rPr lang="en-US" sz="4000" b="1" cap="none" spc="0" dirty="0">
+                <a:ln w="0"/>
+                <a:solidFill>
+                  <a:schemeClr val="tx1"/>
+                </a:solidFill>
+                <a:effectLst>
+                  <a:outerShdw blurRad="38100" dist="19050" dir="2700000" algn="tl" rotWithShape="0">
+                    <a:schemeClr val="dk1">
+                      <a:alpha val="40000"/>
+                    </a:schemeClr>
+                  </a:outerShdw>
+                </a:effectLst>
+              </a:rPr>
+              <a:t>Clase 7</a:t>
+            </a:r>
+            <a:endParaRPr lang="en-US" sz="5400" b="1" cap="none" spc="0" dirty="0">
+              <a:ln w="0"/>
+              <a:solidFill>
+                <a:schemeClr val="tx1"/>
+              </a:solidFill>
+              <a:effectLst>
+                <a:outerShdw blurRad="38100" dist="19050" dir="2700000" algn="tl" rotWithShape="0">
+                  <a:schemeClr val="dk1">
+                    <a:alpha val="40000"/>
+                  </a:schemeClr>
+                </a:outerShdw>
+              </a:effectLst>
+            </a:endParaRPr>
           </a:p>
         </p:txBody>
       </p:sp>
